--- a/file/面试文档/13-数据结构与算法.pptx
+++ b/file/面试文档/13-数据结构与算法.pptx
@@ -5,10 +5,10 @@
     <p:sldMasterId id="2147483648" r:id="rId1"/>
   </p:sldMasterIdLst>
   <p:notesMasterIdLst>
-    <p:notesMasterId r:id="rId20"/>
+    <p:notesMasterId r:id="rId19"/>
   </p:notesMasterIdLst>
   <p:handoutMasterIdLst>
-    <p:handoutMasterId r:id="rId21"/>
+    <p:handoutMasterId r:id="rId20"/>
   </p:handoutMasterIdLst>
   <p:sldIdLst>
     <p:sldId id="292" r:id="rId3"/>
@@ -25,9 +25,8 @@
     <p:sldId id="320" r:id="rId14"/>
     <p:sldId id="336" r:id="rId15"/>
     <p:sldId id="337" r:id="rId16"/>
-    <p:sldId id="338" r:id="rId17"/>
-    <p:sldId id="319" r:id="rId18"/>
-    <p:sldId id="339" r:id="rId19"/>
+    <p:sldId id="319" r:id="rId17"/>
+    <p:sldId id="339" r:id="rId18"/>
   </p:sldIdLst>
   <p:sldSz cx="12192000" cy="6858000"/>
   <p:notesSz cx="6858000" cy="9144000"/>
@@ -157,7 +156,6 @@
             <p14:sldId id="320"/>
             <p14:sldId id="336"/>
             <p14:sldId id="337"/>
-            <p14:sldId id="338"/>
             <p14:sldId id="319"/>
             <p14:sldId id="339"/>
           </p14:sldIdLst>
@@ -8914,12 +8912,12 @@
           </a:bodyPr>
           <a:lstStyle/>
           <a:p>
-            <a:pPr indent="0">
+            <a:pPr marL="342900" indent="-342900">
               <a:lnSpc>
                 <a:spcPts val="2200"/>
               </a:lnSpc>
               <a:buFont typeface="Wingdings" panose="05000000000000000000" pitchFamily="2" charset="2"/>
-              <a:buNone/>
+              <a:buChar char="n"/>
             </a:pPr>
             <a:r>
               <a:rPr lang="zh-CN" altLang="en-US" sz="1600">
@@ -8932,7 +8930,7 @@
                 <a:latin typeface="微软雅黑" panose="020B0503020204020204" pitchFamily="34" charset="-122"/>
                 <a:ea typeface="微软雅黑" panose="020B0503020204020204" pitchFamily="34" charset="-122"/>
               </a:rPr>
-              <a:t>相交链表：</a:t>
+              <a:t>单链表翻转：</a:t>
             </a:r>
             <a:endParaRPr lang="zh-CN" altLang="en-US" sz="1600">
               <a:solidFill>
@@ -8946,13 +8944,230 @@
             </a:endParaRPr>
           </a:p>
           <a:p>
-            <a:pPr indent="0">
+            <a:pPr marL="800100" lvl="1" indent="-342900">
               <a:lnSpc>
                 <a:spcPts val="2200"/>
               </a:lnSpc>
               <a:buFont typeface="Wingdings" panose="05000000000000000000" pitchFamily="2" charset="2"/>
-              <a:buNone/>
+              <a:buChar char="n"/>
             </a:pPr>
+            <a:r>
+              <a:rPr lang="zh-CN" altLang="en-US" sz="1600">
+                <a:solidFill>
+                  <a:schemeClr val="tx1">
+                    <a:lumMod val="65000"/>
+                    <a:lumOff val="35000"/>
+                  </a:schemeClr>
+                </a:solidFill>
+                <a:latin typeface="微软雅黑" panose="020B0503020204020204" pitchFamily="34" charset="-122"/>
+                <a:ea typeface="微软雅黑" panose="020B0503020204020204" pitchFamily="34" charset="-122"/>
+                <a:sym typeface="+mn-ea"/>
+              </a:rPr>
+              <a:t>递归：</a:t>
+            </a:r>
+            <a:endParaRPr lang="zh-CN" altLang="en-US" sz="1600">
+              <a:solidFill>
+                <a:schemeClr val="tx1">
+                  <a:lumMod val="65000"/>
+                  <a:lumOff val="35000"/>
+                </a:schemeClr>
+              </a:solidFill>
+              <a:latin typeface="微软雅黑" panose="020B0503020204020204" pitchFamily="34" charset="-122"/>
+              <a:ea typeface="微软雅黑" panose="020B0503020204020204" pitchFamily="34" charset="-122"/>
+              <a:sym typeface="+mn-ea"/>
+            </a:endParaRPr>
+          </a:p>
+          <a:p>
+            <a:pPr marL="1257300" lvl="2" indent="-342900">
+              <a:lnSpc>
+                <a:spcPts val="2200"/>
+              </a:lnSpc>
+              <a:buFont typeface="Wingdings" panose="05000000000000000000" pitchFamily="2" charset="2"/>
+              <a:buChar char="n"/>
+            </a:pPr>
+            <a:r>
+              <a:rPr lang="zh-CN" altLang="en-US" sz="1600">
+                <a:solidFill>
+                  <a:schemeClr val="tx1">
+                    <a:lumMod val="65000"/>
+                    <a:lumOff val="35000"/>
+                  </a:schemeClr>
+                </a:solidFill>
+                <a:latin typeface="微软雅黑" panose="020B0503020204020204" pitchFamily="34" charset="-122"/>
+                <a:ea typeface="微软雅黑" panose="020B0503020204020204" pitchFamily="34" charset="-122"/>
+                <a:sym typeface="+mn-ea"/>
+              </a:rPr>
+              <a:t>if head?.next == nil { return head }</a:t>
+            </a:r>
+            <a:endParaRPr lang="zh-CN" altLang="en-US" sz="1600">
+              <a:solidFill>
+                <a:schemeClr val="tx1">
+                  <a:lumMod val="65000"/>
+                  <a:lumOff val="35000"/>
+                </a:schemeClr>
+              </a:solidFill>
+              <a:latin typeface="微软雅黑" panose="020B0503020204020204" pitchFamily="34" charset="-122"/>
+              <a:ea typeface="微软雅黑" panose="020B0503020204020204" pitchFamily="34" charset="-122"/>
+              <a:sym typeface="+mn-ea"/>
+            </a:endParaRPr>
+          </a:p>
+          <a:p>
+            <a:pPr marL="1257300" lvl="2" indent="-342900">
+              <a:lnSpc>
+                <a:spcPts val="2200"/>
+              </a:lnSpc>
+              <a:buFont typeface="Wingdings" panose="05000000000000000000" pitchFamily="2" charset="2"/>
+              <a:buChar char="n"/>
+            </a:pPr>
+            <a:r>
+              <a:rPr lang="zh-CN" altLang="en-US" sz="1600">
+                <a:solidFill>
+                  <a:schemeClr val="tx1">
+                    <a:lumMod val="65000"/>
+                    <a:lumOff val="35000"/>
+                  </a:schemeClr>
+                </a:solidFill>
+                <a:latin typeface="微软雅黑" panose="020B0503020204020204" pitchFamily="34" charset="-122"/>
+                <a:ea typeface="微软雅黑" panose="020B0503020204020204" pitchFamily="34" charset="-122"/>
+                <a:sym typeface="+mn-ea"/>
+              </a:rPr>
+              <a:t>let node = reverseList(head?.next)</a:t>
+            </a:r>
+            <a:endParaRPr lang="zh-CN" altLang="en-US" sz="1600">
+              <a:solidFill>
+                <a:schemeClr val="tx1">
+                  <a:lumMod val="65000"/>
+                  <a:lumOff val="35000"/>
+                </a:schemeClr>
+              </a:solidFill>
+              <a:latin typeface="微软雅黑" panose="020B0503020204020204" pitchFamily="34" charset="-122"/>
+              <a:ea typeface="微软雅黑" panose="020B0503020204020204" pitchFamily="34" charset="-122"/>
+              <a:sym typeface="+mn-ea"/>
+            </a:endParaRPr>
+          </a:p>
+          <a:p>
+            <a:pPr marL="1257300" lvl="2" indent="-342900">
+              <a:lnSpc>
+                <a:spcPts val="2200"/>
+              </a:lnSpc>
+              <a:buFont typeface="Wingdings" panose="05000000000000000000" pitchFamily="2" charset="2"/>
+              <a:buChar char="n"/>
+            </a:pPr>
+            <a:r>
+              <a:rPr lang="zh-CN" altLang="en-US" sz="1600">
+                <a:solidFill>
+                  <a:schemeClr val="tx1">
+                    <a:lumMod val="65000"/>
+                    <a:lumOff val="35000"/>
+                  </a:schemeClr>
+                </a:solidFill>
+                <a:latin typeface="微软雅黑" panose="020B0503020204020204" pitchFamily="34" charset="-122"/>
+                <a:ea typeface="微软雅黑" panose="020B0503020204020204" pitchFamily="34" charset="-122"/>
+                <a:sym typeface="+mn-ea"/>
+              </a:rPr>
+              <a:t>head?.next?.next = head</a:t>
+            </a:r>
+            <a:endParaRPr lang="zh-CN" altLang="en-US" sz="1600">
+              <a:solidFill>
+                <a:schemeClr val="tx1">
+                  <a:lumMod val="65000"/>
+                  <a:lumOff val="35000"/>
+                </a:schemeClr>
+              </a:solidFill>
+              <a:latin typeface="微软雅黑" panose="020B0503020204020204" pitchFamily="34" charset="-122"/>
+              <a:ea typeface="微软雅黑" panose="020B0503020204020204" pitchFamily="34" charset="-122"/>
+              <a:sym typeface="+mn-ea"/>
+            </a:endParaRPr>
+          </a:p>
+          <a:p>
+            <a:pPr marL="1257300" lvl="2" indent="-342900">
+              <a:lnSpc>
+                <a:spcPts val="2200"/>
+              </a:lnSpc>
+              <a:buFont typeface="Wingdings" panose="05000000000000000000" pitchFamily="2" charset="2"/>
+              <a:buChar char="n"/>
+            </a:pPr>
+            <a:r>
+              <a:rPr lang="zh-CN" altLang="en-US" sz="1600">
+                <a:solidFill>
+                  <a:schemeClr val="tx1">
+                    <a:lumMod val="65000"/>
+                    <a:lumOff val="35000"/>
+                  </a:schemeClr>
+                </a:solidFill>
+                <a:latin typeface="微软雅黑" panose="020B0503020204020204" pitchFamily="34" charset="-122"/>
+                <a:ea typeface="微软雅黑" panose="020B0503020204020204" pitchFamily="34" charset="-122"/>
+                <a:sym typeface="+mn-ea"/>
+              </a:rPr>
+              <a:t>head?.next = nil</a:t>
+            </a:r>
+            <a:endParaRPr lang="zh-CN" altLang="en-US" sz="1600">
+              <a:solidFill>
+                <a:schemeClr val="tx1">
+                  <a:lumMod val="65000"/>
+                  <a:lumOff val="35000"/>
+                </a:schemeClr>
+              </a:solidFill>
+              <a:latin typeface="微软雅黑" panose="020B0503020204020204" pitchFamily="34" charset="-122"/>
+              <a:ea typeface="微软雅黑" panose="020B0503020204020204" pitchFamily="34" charset="-122"/>
+              <a:sym typeface="+mn-ea"/>
+            </a:endParaRPr>
+          </a:p>
+          <a:p>
+            <a:pPr marL="1257300" lvl="2" indent="-342900">
+              <a:lnSpc>
+                <a:spcPts val="2200"/>
+              </a:lnSpc>
+              <a:buFont typeface="Wingdings" panose="05000000000000000000" pitchFamily="2" charset="2"/>
+              <a:buChar char="n"/>
+            </a:pPr>
+            <a:r>
+              <a:rPr lang="zh-CN" altLang="en-US" sz="1600">
+                <a:solidFill>
+                  <a:schemeClr val="tx1">
+                    <a:lumMod val="65000"/>
+                    <a:lumOff val="35000"/>
+                  </a:schemeClr>
+                </a:solidFill>
+                <a:latin typeface="微软雅黑" panose="020B0503020204020204" pitchFamily="34" charset="-122"/>
+                <a:ea typeface="微软雅黑" panose="020B0503020204020204" pitchFamily="34" charset="-122"/>
+                <a:sym typeface="+mn-ea"/>
+              </a:rPr>
+              <a:t>return node</a:t>
+            </a:r>
+            <a:endParaRPr lang="zh-CN" altLang="en-US" sz="1600">
+              <a:solidFill>
+                <a:schemeClr val="tx1">
+                  <a:lumMod val="65000"/>
+                  <a:lumOff val="35000"/>
+                </a:schemeClr>
+              </a:solidFill>
+              <a:latin typeface="微软雅黑" panose="020B0503020204020204" pitchFamily="34" charset="-122"/>
+              <a:ea typeface="微软雅黑" panose="020B0503020204020204" pitchFamily="34" charset="-122"/>
+              <a:sym typeface="+mn-ea"/>
+            </a:endParaRPr>
+          </a:p>
+          <a:p>
+            <a:pPr marL="800100" lvl="1" indent="-342900">
+              <a:lnSpc>
+                <a:spcPts val="2200"/>
+              </a:lnSpc>
+              <a:buFont typeface="Wingdings" panose="05000000000000000000" pitchFamily="2" charset="2"/>
+              <a:buChar char="n"/>
+            </a:pPr>
+            <a:r>
+              <a:rPr lang="zh-CN" altLang="en-US" sz="1600">
+                <a:solidFill>
+                  <a:schemeClr val="tx1">
+                    <a:lumMod val="65000"/>
+                    <a:lumOff val="35000"/>
+                  </a:schemeClr>
+                </a:solidFill>
+                <a:latin typeface="微软雅黑" panose="020B0503020204020204" pitchFamily="34" charset="-122"/>
+                <a:ea typeface="微软雅黑" panose="020B0503020204020204" pitchFamily="34" charset="-122"/>
+              </a:rPr>
+              <a:t>迭代：</a:t>
+            </a:r>
             <a:endParaRPr lang="zh-CN" altLang="en-US" sz="1600">
               <a:solidFill>
                 <a:schemeClr val="tx1">
@@ -8965,12 +9180,12 @@
             </a:endParaRPr>
           </a:p>
           <a:p>
-            <a:pPr indent="0">
+            <a:pPr marL="1257300" lvl="2" indent="-342900">
               <a:lnSpc>
                 <a:spcPts val="2200"/>
               </a:lnSpc>
               <a:buFont typeface="Wingdings" panose="05000000000000000000" pitchFamily="2" charset="2"/>
-              <a:buNone/>
+              <a:buChar char="n"/>
             </a:pPr>
             <a:r>
               <a:rPr lang="zh-CN" altLang="en-US" sz="1600">
@@ -8982,8 +9197,9 @@
                 </a:solidFill>
                 <a:latin typeface="微软雅黑" panose="020B0503020204020204" pitchFamily="34" charset="-122"/>
                 <a:ea typeface="微软雅黑" panose="020B0503020204020204" pitchFamily="34" charset="-122"/>
-              </a:rPr>
-              <a:t>func getIntersectionNode(_ headA: ListNode?, _ headB: ListNode?) -&gt; ListNode? {</a:t>
+                <a:sym typeface="+mn-ea"/>
+              </a:rPr>
+              <a:t>var head_n: ListNode? = head</a:t>
             </a:r>
             <a:endParaRPr lang="zh-CN" altLang="en-US" sz="1600">
               <a:solidFill>
@@ -8994,15 +9210,16 @@
               </a:solidFill>
               <a:latin typeface="微软雅黑" panose="020B0503020204020204" pitchFamily="34" charset="-122"/>
               <a:ea typeface="微软雅黑" panose="020B0503020204020204" pitchFamily="34" charset="-122"/>
+              <a:sym typeface="+mn-ea"/>
             </a:endParaRPr>
           </a:p>
           <a:p>
-            <a:pPr indent="0">
+            <a:pPr marL="1257300" lvl="2" indent="-342900">
               <a:lnSpc>
                 <a:spcPts val="2200"/>
               </a:lnSpc>
               <a:buFont typeface="Wingdings" panose="05000000000000000000" pitchFamily="2" charset="2"/>
-              <a:buNone/>
+              <a:buChar char="n"/>
             </a:pPr>
             <a:r>
               <a:rPr lang="zh-CN" altLang="en-US" sz="1600">
@@ -9014,8 +9231,9 @@
                 </a:solidFill>
                 <a:latin typeface="微软雅黑" panose="020B0503020204020204" pitchFamily="34" charset="-122"/>
                 <a:ea typeface="微软雅黑" panose="020B0503020204020204" pitchFamily="34" charset="-122"/>
-              </a:rPr>
-              <a:t>        if headA == nil || headB == nil { return nil }</a:t>
+                <a:sym typeface="+mn-ea"/>
+              </a:rPr>
+              <a:t> while head?.next != nil {</a:t>
             </a:r>
             <a:endParaRPr lang="zh-CN" altLang="en-US" sz="1600">
               <a:solidFill>
@@ -9026,15 +9244,16 @@
               </a:solidFill>
               <a:latin typeface="微软雅黑" panose="020B0503020204020204" pitchFamily="34" charset="-122"/>
               <a:ea typeface="微软雅黑" panose="020B0503020204020204" pitchFamily="34" charset="-122"/>
+              <a:sym typeface="+mn-ea"/>
             </a:endParaRPr>
           </a:p>
           <a:p>
-            <a:pPr indent="0">
+            <a:pPr marL="1257300" lvl="2" indent="-342900">
               <a:lnSpc>
                 <a:spcPts val="2200"/>
               </a:lnSpc>
               <a:buFont typeface="Wingdings" panose="05000000000000000000" pitchFamily="2" charset="2"/>
-              <a:buNone/>
+              <a:buChar char="n"/>
             </a:pPr>
             <a:r>
               <a:rPr lang="zh-CN" altLang="en-US" sz="1600">
@@ -9046,8 +9265,9 @@
                 </a:solidFill>
                 <a:latin typeface="微软雅黑" panose="020B0503020204020204" pitchFamily="34" charset="-122"/>
                 <a:ea typeface="微软雅黑" panose="020B0503020204020204" pitchFamily="34" charset="-122"/>
-              </a:rPr>
-              <a:t>        var pA = headA</a:t>
+                <a:sym typeface="+mn-ea"/>
+              </a:rPr>
+              <a:t>        var temp = head?.next</a:t>
             </a:r>
             <a:endParaRPr lang="zh-CN" altLang="en-US" sz="1600">
               <a:solidFill>
@@ -9058,15 +9278,16 @@
               </a:solidFill>
               <a:latin typeface="微软雅黑" panose="020B0503020204020204" pitchFamily="34" charset="-122"/>
               <a:ea typeface="微软雅黑" panose="020B0503020204020204" pitchFamily="34" charset="-122"/>
+              <a:sym typeface="+mn-ea"/>
             </a:endParaRPr>
           </a:p>
           <a:p>
-            <a:pPr indent="0">
+            <a:pPr marL="1257300" lvl="2" indent="-342900">
               <a:lnSpc>
                 <a:spcPts val="2200"/>
               </a:lnSpc>
               <a:buFont typeface="Wingdings" panose="05000000000000000000" pitchFamily="2" charset="2"/>
-              <a:buNone/>
+              <a:buChar char="n"/>
             </a:pPr>
             <a:r>
               <a:rPr lang="zh-CN" altLang="en-US" sz="1600">
@@ -9078,8 +9299,9 @@
                 </a:solidFill>
                 <a:latin typeface="微软雅黑" panose="020B0503020204020204" pitchFamily="34" charset="-122"/>
                 <a:ea typeface="微软雅黑" panose="020B0503020204020204" pitchFamily="34" charset="-122"/>
-              </a:rPr>
-              <a:t>        var pB = headB</a:t>
+                <a:sym typeface="+mn-ea"/>
+              </a:rPr>
+              <a:t>        head?.next = temp?.next</a:t>
             </a:r>
             <a:endParaRPr lang="zh-CN" altLang="en-US" sz="1600">
               <a:solidFill>
@@ -9090,15 +9312,16 @@
               </a:solidFill>
               <a:latin typeface="微软雅黑" panose="020B0503020204020204" pitchFamily="34" charset="-122"/>
               <a:ea typeface="微软雅黑" panose="020B0503020204020204" pitchFamily="34" charset="-122"/>
+              <a:sym typeface="+mn-ea"/>
             </a:endParaRPr>
           </a:p>
           <a:p>
-            <a:pPr indent="0">
+            <a:pPr marL="1257300" lvl="2" indent="-342900">
               <a:lnSpc>
                 <a:spcPts val="2200"/>
               </a:lnSpc>
               <a:buFont typeface="Wingdings" panose="05000000000000000000" pitchFamily="2" charset="2"/>
-              <a:buNone/>
+              <a:buChar char="n"/>
             </a:pPr>
             <a:r>
               <a:rPr lang="zh-CN" altLang="en-US" sz="1600">
@@ -9110,8 +9333,9 @@
                 </a:solidFill>
                 <a:latin typeface="微软雅黑" panose="020B0503020204020204" pitchFamily="34" charset="-122"/>
                 <a:ea typeface="微软雅黑" panose="020B0503020204020204" pitchFamily="34" charset="-122"/>
-              </a:rPr>
-              <a:t>        while pA != pB {</a:t>
+                <a:sym typeface="+mn-ea"/>
+              </a:rPr>
+              <a:t>        temp?.next = head_n</a:t>
             </a:r>
             <a:endParaRPr lang="zh-CN" altLang="en-US" sz="1600">
               <a:solidFill>
@@ -9122,15 +9346,16 @@
               </a:solidFill>
               <a:latin typeface="微软雅黑" panose="020B0503020204020204" pitchFamily="34" charset="-122"/>
               <a:ea typeface="微软雅黑" panose="020B0503020204020204" pitchFamily="34" charset="-122"/>
+              <a:sym typeface="+mn-ea"/>
             </a:endParaRPr>
           </a:p>
           <a:p>
-            <a:pPr indent="0">
+            <a:pPr marL="1257300" lvl="2" indent="-342900">
               <a:lnSpc>
                 <a:spcPts val="2200"/>
               </a:lnSpc>
               <a:buFont typeface="Wingdings" panose="05000000000000000000" pitchFamily="2" charset="2"/>
-              <a:buNone/>
+              <a:buChar char="n"/>
             </a:pPr>
             <a:r>
               <a:rPr lang="zh-CN" altLang="en-US" sz="1600">
@@ -9142,8 +9367,9 @@
                 </a:solidFill>
                 <a:latin typeface="微软雅黑" panose="020B0503020204020204" pitchFamily="34" charset="-122"/>
                 <a:ea typeface="微软雅黑" panose="020B0503020204020204" pitchFamily="34" charset="-122"/>
-              </a:rPr>
-              <a:t>            pA = pA == nil ? headB : pA?.next</a:t>
+                <a:sym typeface="+mn-ea"/>
+              </a:rPr>
+              <a:t>        head_n = temp</a:t>
             </a:r>
             <a:endParaRPr lang="zh-CN" altLang="en-US" sz="1600">
               <a:solidFill>
@@ -9154,15 +9380,16 @@
               </a:solidFill>
               <a:latin typeface="微软雅黑" panose="020B0503020204020204" pitchFamily="34" charset="-122"/>
               <a:ea typeface="微软雅黑" panose="020B0503020204020204" pitchFamily="34" charset="-122"/>
+              <a:sym typeface="+mn-ea"/>
             </a:endParaRPr>
           </a:p>
           <a:p>
-            <a:pPr indent="0">
+            <a:pPr marL="1257300" lvl="2" indent="-342900">
               <a:lnSpc>
                 <a:spcPts val="2200"/>
               </a:lnSpc>
               <a:buFont typeface="Wingdings" panose="05000000000000000000" pitchFamily="2" charset="2"/>
-              <a:buNone/>
+              <a:buChar char="n"/>
             </a:pPr>
             <a:r>
               <a:rPr lang="zh-CN" altLang="en-US" sz="1600">
@@ -9174,8 +9401,9 @@
                 </a:solidFill>
                 <a:latin typeface="微软雅黑" panose="020B0503020204020204" pitchFamily="34" charset="-122"/>
                 <a:ea typeface="微软雅黑" panose="020B0503020204020204" pitchFamily="34" charset="-122"/>
-              </a:rPr>
-              <a:t>            pB = pB == nil ? headA : pB?.next</a:t>
+                <a:sym typeface="+mn-ea"/>
+              </a:rPr>
+              <a:t>  }</a:t>
             </a:r>
             <a:endParaRPr lang="zh-CN" altLang="en-US" sz="1600">
               <a:solidFill>
@@ -9186,15 +9414,16 @@
               </a:solidFill>
               <a:latin typeface="微软雅黑" panose="020B0503020204020204" pitchFamily="34" charset="-122"/>
               <a:ea typeface="微软雅黑" panose="020B0503020204020204" pitchFamily="34" charset="-122"/>
+              <a:sym typeface="+mn-ea"/>
             </a:endParaRPr>
           </a:p>
           <a:p>
-            <a:pPr indent="0">
+            <a:pPr marL="1257300" lvl="2" indent="-342900">
               <a:lnSpc>
                 <a:spcPts val="2200"/>
               </a:lnSpc>
               <a:buFont typeface="Wingdings" panose="05000000000000000000" pitchFamily="2" charset="2"/>
-              <a:buNone/>
+              <a:buChar char="n"/>
             </a:pPr>
             <a:r>
               <a:rPr lang="zh-CN" altLang="en-US" sz="1600">
@@ -9206,72 +9435,9 @@
                 </a:solidFill>
                 <a:latin typeface="微软雅黑" panose="020B0503020204020204" pitchFamily="34" charset="-122"/>
                 <a:ea typeface="微软雅黑" panose="020B0503020204020204" pitchFamily="34" charset="-122"/>
-              </a:rPr>
-              <a:t>        }</a:t>
-            </a:r>
-            <a:endParaRPr lang="zh-CN" altLang="en-US" sz="1600">
-              <a:solidFill>
-                <a:schemeClr val="tx1">
-                  <a:lumMod val="65000"/>
-                  <a:lumOff val="35000"/>
-                </a:schemeClr>
-              </a:solidFill>
-              <a:latin typeface="微软雅黑" panose="020B0503020204020204" pitchFamily="34" charset="-122"/>
-              <a:ea typeface="微软雅黑" panose="020B0503020204020204" pitchFamily="34" charset="-122"/>
-            </a:endParaRPr>
-          </a:p>
-          <a:p>
-            <a:pPr indent="0">
-              <a:lnSpc>
-                <a:spcPts val="2200"/>
-              </a:lnSpc>
-              <a:buFont typeface="Wingdings" panose="05000000000000000000" pitchFamily="2" charset="2"/>
-              <a:buNone/>
-            </a:pPr>
-            <a:r>
-              <a:rPr lang="zh-CN" altLang="en-US" sz="1600">
-                <a:solidFill>
-                  <a:schemeClr val="tx1">
-                    <a:lumMod val="65000"/>
-                    <a:lumOff val="35000"/>
-                  </a:schemeClr>
-                </a:solidFill>
-                <a:latin typeface="微软雅黑" panose="020B0503020204020204" pitchFamily="34" charset="-122"/>
-                <a:ea typeface="微软雅黑" panose="020B0503020204020204" pitchFamily="34" charset="-122"/>
-              </a:rPr>
-              <a:t>        return pA</a:t>
-            </a:r>
-            <a:endParaRPr lang="zh-CN" altLang="en-US" sz="1600">
-              <a:solidFill>
-                <a:schemeClr val="tx1">
-                  <a:lumMod val="65000"/>
-                  <a:lumOff val="35000"/>
-                </a:schemeClr>
-              </a:solidFill>
-              <a:latin typeface="微软雅黑" panose="020B0503020204020204" pitchFamily="34" charset="-122"/>
-              <a:ea typeface="微软雅黑" panose="020B0503020204020204" pitchFamily="34" charset="-122"/>
-            </a:endParaRPr>
-          </a:p>
-          <a:p>
-            <a:pPr indent="0">
-              <a:lnSpc>
-                <a:spcPts val="2200"/>
-              </a:lnSpc>
-              <a:buFont typeface="Wingdings" panose="05000000000000000000" pitchFamily="2" charset="2"/>
-              <a:buNone/>
-            </a:pPr>
-            <a:r>
-              <a:rPr lang="zh-CN" altLang="en-US" sz="1600">
-                <a:solidFill>
-                  <a:schemeClr val="tx1">
-                    <a:lumMod val="65000"/>
-                    <a:lumOff val="35000"/>
-                  </a:schemeClr>
-                </a:solidFill>
-                <a:latin typeface="微软雅黑" panose="020B0503020204020204" pitchFamily="34" charset="-122"/>
-                <a:ea typeface="微软雅黑" panose="020B0503020204020204" pitchFamily="34" charset="-122"/>
-              </a:rPr>
-              <a:t>    }</a:t>
+                <a:sym typeface="+mn-ea"/>
+              </a:rPr>
+              <a:t>  return head_n</a:t>
             </a:r>
             <a:endParaRPr lang="zh-CN" altLang="en-US" sz="1600">
               <a:solidFill>
@@ -9388,7 +9554,7 @@
                                         <p:tgtEl>
                                           <p:spTgt spid="44">
                                             <p:txEl>
-                                              <p:pRg st="2" end="2"/>
+                                              <p:pRg st="1" end="1"/>
                                             </p:txEl>
                                           </p:spTgt>
                                         </p:tgtEl>
@@ -9406,7 +9572,7 @@
                                         <p:tgtEl>
                                           <p:spTgt spid="44">
                                             <p:txEl>
-                                              <p:pRg st="2" end="2"/>
+                                              <p:pRg st="1" end="1"/>
                                             </p:txEl>
                                           </p:spTgt>
                                         </p:tgtEl>
@@ -9449,7 +9615,7 @@
                                         <p:tgtEl>
                                           <p:spTgt spid="44">
                                             <p:txEl>
-                                              <p:pRg st="3" end="3"/>
+                                              <p:pRg st="2" end="2"/>
                                             </p:txEl>
                                           </p:spTgt>
                                         </p:tgtEl>
@@ -9467,7 +9633,7 @@
                                         <p:tgtEl>
                                           <p:spTgt spid="44">
                                             <p:txEl>
-                                              <p:pRg st="3" end="3"/>
+                                              <p:pRg st="2" end="2"/>
                                             </p:txEl>
                                           </p:spTgt>
                                         </p:tgtEl>
@@ -9510,7 +9676,7 @@
                                         <p:tgtEl>
                                           <p:spTgt spid="44">
                                             <p:txEl>
-                                              <p:pRg st="4" end="4"/>
+                                              <p:pRg st="3" end="3"/>
                                             </p:txEl>
                                           </p:spTgt>
                                         </p:tgtEl>
@@ -9528,7 +9694,7 @@
                                         <p:tgtEl>
                                           <p:spTgt spid="44">
                                             <p:txEl>
-                                              <p:pRg st="4" end="4"/>
+                                              <p:pRg st="3" end="3"/>
                                             </p:txEl>
                                           </p:spTgt>
                                         </p:tgtEl>
@@ -9571,7 +9737,7 @@
                                         <p:tgtEl>
                                           <p:spTgt spid="44">
                                             <p:txEl>
-                                              <p:pRg st="5" end="5"/>
+                                              <p:pRg st="4" end="4"/>
                                             </p:txEl>
                                           </p:spTgt>
                                         </p:tgtEl>
@@ -9589,7 +9755,7 @@
                                         <p:tgtEl>
                                           <p:spTgt spid="44">
                                             <p:txEl>
-                                              <p:pRg st="5" end="5"/>
+                                              <p:pRg st="4" end="4"/>
                                             </p:txEl>
                                           </p:spTgt>
                                         </p:tgtEl>
@@ -9632,7 +9798,7 @@
                                         <p:tgtEl>
                                           <p:spTgt spid="44">
                                             <p:txEl>
-                                              <p:pRg st="6" end="6"/>
+                                              <p:pRg st="5" end="5"/>
                                             </p:txEl>
                                           </p:spTgt>
                                         </p:tgtEl>
@@ -9650,7 +9816,7 @@
                                         <p:tgtEl>
                                           <p:spTgt spid="44">
                                             <p:txEl>
-                                              <p:pRg st="6" end="6"/>
+                                              <p:pRg st="5" end="5"/>
                                             </p:txEl>
                                           </p:spTgt>
                                         </p:tgtEl>
@@ -9693,7 +9859,7 @@
                                         <p:tgtEl>
                                           <p:spTgt spid="44">
                                             <p:txEl>
-                                              <p:pRg st="7" end="7"/>
+                                              <p:pRg st="6" end="6"/>
                                             </p:txEl>
                                           </p:spTgt>
                                         </p:tgtEl>
@@ -9711,7 +9877,7 @@
                                         <p:tgtEl>
                                           <p:spTgt spid="44">
                                             <p:txEl>
-                                              <p:pRg st="7" end="7"/>
+                                              <p:pRg st="6" end="6"/>
                                             </p:txEl>
                                           </p:spTgt>
                                         </p:tgtEl>
@@ -9754,7 +9920,7 @@
                                         <p:tgtEl>
                                           <p:spTgt spid="44">
                                             <p:txEl>
-                                              <p:pRg st="8" end="8"/>
+                                              <p:pRg st="7" end="7"/>
                                             </p:txEl>
                                           </p:spTgt>
                                         </p:tgtEl>
@@ -9772,7 +9938,7 @@
                                         <p:tgtEl>
                                           <p:spTgt spid="44">
                                             <p:txEl>
-                                              <p:pRg st="8" end="8"/>
+                                              <p:pRg st="7" end="7"/>
                                             </p:txEl>
                                           </p:spTgt>
                                         </p:tgtEl>
@@ -9815,7 +9981,7 @@
                                         <p:tgtEl>
                                           <p:spTgt spid="44">
                                             <p:txEl>
-                                              <p:pRg st="9" end="9"/>
+                                              <p:pRg st="8" end="8"/>
                                             </p:txEl>
                                           </p:spTgt>
                                         </p:tgtEl>
@@ -9833,7 +9999,7 @@
                                         <p:tgtEl>
                                           <p:spTgt spid="44">
                                             <p:txEl>
-                                              <p:pRg st="9" end="9"/>
+                                              <p:pRg st="8" end="8"/>
                                             </p:txEl>
                                           </p:spTgt>
                                         </p:tgtEl>
@@ -9876,7 +10042,7 @@
                                         <p:tgtEl>
                                           <p:spTgt spid="44">
                                             <p:txEl>
-                                              <p:pRg st="10" end="10"/>
+                                              <p:pRg st="9" end="9"/>
                                             </p:txEl>
                                           </p:spTgt>
                                         </p:tgtEl>
@@ -9894,7 +10060,7 @@
                                         <p:tgtEl>
                                           <p:spTgt spid="44">
                                             <p:txEl>
-                                              <p:pRg st="10" end="10"/>
+                                              <p:pRg st="9" end="9"/>
                                             </p:txEl>
                                           </p:spTgt>
                                         </p:tgtEl>
@@ -9937,7 +10103,7 @@
                                         <p:tgtEl>
                                           <p:spTgt spid="44">
                                             <p:txEl>
-                                              <p:pRg st="11" end="11"/>
+                                              <p:pRg st="10" end="10"/>
                                             </p:txEl>
                                           </p:spTgt>
                                         </p:tgtEl>
@@ -9955,7 +10121,312 @@
                                         <p:tgtEl>
                                           <p:spTgt spid="44">
                                             <p:txEl>
+                                              <p:pRg st="10" end="10"/>
+                                            </p:txEl>
+                                          </p:spTgt>
+                                        </p:tgtEl>
+                                      </p:cBhvr>
+                                    </p:animEffect>
+                                  </p:childTnLst>
+                                </p:cTn>
+                              </p:par>
+                            </p:childTnLst>
+                          </p:cTn>
+                        </p:par>
+                      </p:childTnLst>
+                    </p:cTn>
+                  </p:par>
+                  <p:par>
+                    <p:cTn id="58" fill="hold">
+                      <p:stCondLst>
+                        <p:cond delay="indefinite"/>
+                      </p:stCondLst>
+                      <p:childTnLst>
+                        <p:par>
+                          <p:cTn id="59" fill="hold">
+                            <p:stCondLst>
+                              <p:cond delay="0"/>
+                            </p:stCondLst>
+                            <p:childTnLst>
+                              <p:par>
+                                <p:cTn id="60" presetID="22" presetClass="entr" presetSubtype="8" fill="hold" nodeType="clickEffect">
+                                  <p:stCondLst>
+                                    <p:cond delay="0"/>
+                                  </p:stCondLst>
+                                  <p:childTnLst>
+                                    <p:set>
+                                      <p:cBhvr>
+                                        <p:cTn id="61" dur="1" fill="hold">
+                                          <p:stCondLst>
+                                            <p:cond delay="0"/>
+                                          </p:stCondLst>
+                                        </p:cTn>
+                                        <p:tgtEl>
+                                          <p:spTgt spid="44">
+                                            <p:txEl>
                                               <p:pRg st="11" end="11"/>
+                                            </p:txEl>
+                                          </p:spTgt>
+                                        </p:tgtEl>
+                                        <p:attrNameLst>
+                                          <p:attrName>style.visibility</p:attrName>
+                                        </p:attrNameLst>
+                                      </p:cBhvr>
+                                      <p:to>
+                                        <p:strVal val="visible"/>
+                                      </p:to>
+                                    </p:set>
+                                    <p:animEffect transition="in" filter="wipe(left)">
+                                      <p:cBhvr>
+                                        <p:cTn id="62" dur="500"/>
+                                        <p:tgtEl>
+                                          <p:spTgt spid="44">
+                                            <p:txEl>
+                                              <p:pRg st="11" end="11"/>
+                                            </p:txEl>
+                                          </p:spTgt>
+                                        </p:tgtEl>
+                                      </p:cBhvr>
+                                    </p:animEffect>
+                                  </p:childTnLst>
+                                </p:cTn>
+                              </p:par>
+                            </p:childTnLst>
+                          </p:cTn>
+                        </p:par>
+                      </p:childTnLst>
+                    </p:cTn>
+                  </p:par>
+                  <p:par>
+                    <p:cTn id="63" fill="hold">
+                      <p:stCondLst>
+                        <p:cond delay="indefinite"/>
+                      </p:stCondLst>
+                      <p:childTnLst>
+                        <p:par>
+                          <p:cTn id="64" fill="hold">
+                            <p:stCondLst>
+                              <p:cond delay="0"/>
+                            </p:stCondLst>
+                            <p:childTnLst>
+                              <p:par>
+                                <p:cTn id="65" presetID="22" presetClass="entr" presetSubtype="8" fill="hold" nodeType="clickEffect">
+                                  <p:stCondLst>
+                                    <p:cond delay="0"/>
+                                  </p:stCondLst>
+                                  <p:childTnLst>
+                                    <p:set>
+                                      <p:cBhvr>
+                                        <p:cTn id="66" dur="1" fill="hold">
+                                          <p:stCondLst>
+                                            <p:cond delay="0"/>
+                                          </p:stCondLst>
+                                        </p:cTn>
+                                        <p:tgtEl>
+                                          <p:spTgt spid="44">
+                                            <p:txEl>
+                                              <p:pRg st="12" end="12"/>
+                                            </p:txEl>
+                                          </p:spTgt>
+                                        </p:tgtEl>
+                                        <p:attrNameLst>
+                                          <p:attrName>style.visibility</p:attrName>
+                                        </p:attrNameLst>
+                                      </p:cBhvr>
+                                      <p:to>
+                                        <p:strVal val="visible"/>
+                                      </p:to>
+                                    </p:set>
+                                    <p:animEffect transition="in" filter="wipe(left)">
+                                      <p:cBhvr>
+                                        <p:cTn id="67" dur="500"/>
+                                        <p:tgtEl>
+                                          <p:spTgt spid="44">
+                                            <p:txEl>
+                                              <p:pRg st="12" end="12"/>
+                                            </p:txEl>
+                                          </p:spTgt>
+                                        </p:tgtEl>
+                                      </p:cBhvr>
+                                    </p:animEffect>
+                                  </p:childTnLst>
+                                </p:cTn>
+                              </p:par>
+                            </p:childTnLst>
+                          </p:cTn>
+                        </p:par>
+                      </p:childTnLst>
+                    </p:cTn>
+                  </p:par>
+                  <p:par>
+                    <p:cTn id="68" fill="hold">
+                      <p:stCondLst>
+                        <p:cond delay="indefinite"/>
+                      </p:stCondLst>
+                      <p:childTnLst>
+                        <p:par>
+                          <p:cTn id="69" fill="hold">
+                            <p:stCondLst>
+                              <p:cond delay="0"/>
+                            </p:stCondLst>
+                            <p:childTnLst>
+                              <p:par>
+                                <p:cTn id="70" presetID="22" presetClass="entr" presetSubtype="8" fill="hold" nodeType="clickEffect">
+                                  <p:stCondLst>
+                                    <p:cond delay="0"/>
+                                  </p:stCondLst>
+                                  <p:childTnLst>
+                                    <p:set>
+                                      <p:cBhvr>
+                                        <p:cTn id="71" dur="1" fill="hold">
+                                          <p:stCondLst>
+                                            <p:cond delay="0"/>
+                                          </p:stCondLst>
+                                        </p:cTn>
+                                        <p:tgtEl>
+                                          <p:spTgt spid="44">
+                                            <p:txEl>
+                                              <p:pRg st="13" end="13"/>
+                                            </p:txEl>
+                                          </p:spTgt>
+                                        </p:tgtEl>
+                                        <p:attrNameLst>
+                                          <p:attrName>style.visibility</p:attrName>
+                                        </p:attrNameLst>
+                                      </p:cBhvr>
+                                      <p:to>
+                                        <p:strVal val="visible"/>
+                                      </p:to>
+                                    </p:set>
+                                    <p:animEffect transition="in" filter="wipe(left)">
+                                      <p:cBhvr>
+                                        <p:cTn id="72" dur="500"/>
+                                        <p:tgtEl>
+                                          <p:spTgt spid="44">
+                                            <p:txEl>
+                                              <p:pRg st="13" end="13"/>
+                                            </p:txEl>
+                                          </p:spTgt>
+                                        </p:tgtEl>
+                                      </p:cBhvr>
+                                    </p:animEffect>
+                                  </p:childTnLst>
+                                </p:cTn>
+                              </p:par>
+                            </p:childTnLst>
+                          </p:cTn>
+                        </p:par>
+                      </p:childTnLst>
+                    </p:cTn>
+                  </p:par>
+                  <p:par>
+                    <p:cTn id="73" fill="hold">
+                      <p:stCondLst>
+                        <p:cond delay="indefinite"/>
+                      </p:stCondLst>
+                      <p:childTnLst>
+                        <p:par>
+                          <p:cTn id="74" fill="hold">
+                            <p:stCondLst>
+                              <p:cond delay="0"/>
+                            </p:stCondLst>
+                            <p:childTnLst>
+                              <p:par>
+                                <p:cTn id="75" presetID="22" presetClass="entr" presetSubtype="8" fill="hold" nodeType="clickEffect">
+                                  <p:stCondLst>
+                                    <p:cond delay="0"/>
+                                  </p:stCondLst>
+                                  <p:childTnLst>
+                                    <p:set>
+                                      <p:cBhvr>
+                                        <p:cTn id="76" dur="1" fill="hold">
+                                          <p:stCondLst>
+                                            <p:cond delay="0"/>
+                                          </p:stCondLst>
+                                        </p:cTn>
+                                        <p:tgtEl>
+                                          <p:spTgt spid="44">
+                                            <p:txEl>
+                                              <p:pRg st="14" end="14"/>
+                                            </p:txEl>
+                                          </p:spTgt>
+                                        </p:tgtEl>
+                                        <p:attrNameLst>
+                                          <p:attrName>style.visibility</p:attrName>
+                                        </p:attrNameLst>
+                                      </p:cBhvr>
+                                      <p:to>
+                                        <p:strVal val="visible"/>
+                                      </p:to>
+                                    </p:set>
+                                    <p:animEffect transition="in" filter="wipe(left)">
+                                      <p:cBhvr>
+                                        <p:cTn id="77" dur="500"/>
+                                        <p:tgtEl>
+                                          <p:spTgt spid="44">
+                                            <p:txEl>
+                                              <p:pRg st="14" end="14"/>
+                                            </p:txEl>
+                                          </p:spTgt>
+                                        </p:tgtEl>
+                                      </p:cBhvr>
+                                    </p:animEffect>
+                                  </p:childTnLst>
+                                </p:cTn>
+                              </p:par>
+                            </p:childTnLst>
+                          </p:cTn>
+                        </p:par>
+                      </p:childTnLst>
+                    </p:cTn>
+                  </p:par>
+                  <p:par>
+                    <p:cTn id="78" fill="hold">
+                      <p:stCondLst>
+                        <p:cond delay="indefinite"/>
+                      </p:stCondLst>
+                      <p:childTnLst>
+                        <p:par>
+                          <p:cTn id="79" fill="hold">
+                            <p:stCondLst>
+                              <p:cond delay="0"/>
+                            </p:stCondLst>
+                            <p:childTnLst>
+                              <p:par>
+                                <p:cTn id="80" presetID="22" presetClass="entr" presetSubtype="8" fill="hold" nodeType="clickEffect">
+                                  <p:stCondLst>
+                                    <p:cond delay="0"/>
+                                  </p:stCondLst>
+                                  <p:childTnLst>
+                                    <p:set>
+                                      <p:cBhvr>
+                                        <p:cTn id="81" dur="1" fill="hold">
+                                          <p:stCondLst>
+                                            <p:cond delay="0"/>
+                                          </p:stCondLst>
+                                        </p:cTn>
+                                        <p:tgtEl>
+                                          <p:spTgt spid="44">
+                                            <p:txEl>
+                                              <p:pRg st="15" end="15"/>
+                                            </p:txEl>
+                                          </p:spTgt>
+                                        </p:tgtEl>
+                                        <p:attrNameLst>
+                                          <p:attrName>style.visibility</p:attrName>
+                                        </p:attrNameLst>
+                                      </p:cBhvr>
+                                      <p:to>
+                                        <p:strVal val="visible"/>
+                                      </p:to>
+                                    </p:set>
+                                    <p:animEffect transition="in" filter="wipe(left)">
+                                      <p:cBhvr>
+                                        <p:cTn id="82" dur="500"/>
+                                        <p:tgtEl>
+                                          <p:spTgt spid="44">
+                                            <p:txEl>
+                                              <p:pRg st="15" end="15"/>
                                             </p:txEl>
                                           </p:spTgt>
                                         </p:tgtEl>
@@ -9996,1620 +10467,6 @@
 </file>
 
 <file path=ppt/slides/slide16.xml><?xml version="1.0" encoding="utf-8"?>
-<p:sld xmlns:a="http://schemas.openxmlformats.org/drawingml/2006/main" xmlns:r="http://schemas.openxmlformats.org/officeDocument/2006/relationships" xmlns:p="http://schemas.openxmlformats.org/presentationml/2006/main">
-  <p:cSld>
-    <p:spTree>
-      <p:nvGrpSpPr>
-        <p:cNvPr id="1" name=""/>
-        <p:cNvGrpSpPr/>
-        <p:nvPr/>
-      </p:nvGrpSpPr>
-      <p:grpSpPr>
-        <a:xfrm>
-          <a:off x="0" y="0"/>
-          <a:ext cx="0" cy="0"/>
-          <a:chOff x="0" y="0"/>
-          <a:chExt cx="0" cy="0"/>
-        </a:xfrm>
-      </p:grpSpPr>
-      <p:sp>
-        <p:nvSpPr>
-          <p:cNvPr id="4" name="标题 3"/>
-          <p:cNvSpPr>
-            <a:spLocks noGrp="1"/>
-          </p:cNvSpPr>
-          <p:nvPr>
-            <p:ph type="title"/>
-          </p:nvPr>
-        </p:nvSpPr>
-        <p:spPr/>
-        <p:txBody>
-          <a:bodyPr/>
-          <a:lstStyle/>
-          <a:p>
-            <a:r>
-              <a:t>链表</a:t>
-            </a:r>
-          </a:p>
-        </p:txBody>
-      </p:sp>
-      <p:sp>
-        <p:nvSpPr>
-          <p:cNvPr id="44" name="文本框 43"/>
-          <p:cNvSpPr txBox="1"/>
-          <p:nvPr/>
-        </p:nvSpPr>
-        <p:spPr>
-          <a:xfrm>
-            <a:off x="343535" y="1357630"/>
-            <a:ext cx="11652885" cy="5194300"/>
-          </a:xfrm>
-          <a:prstGeom prst="rect">
-            <a:avLst/>
-          </a:prstGeom>
-          <a:noFill/>
-        </p:spPr>
-        <p:txBody>
-          <a:bodyPr wrap="square" rtlCol="0">
-            <a:noAutofit/>
-          </a:bodyPr>
-          <a:lstStyle/>
-          <a:p>
-            <a:pPr marL="342900" indent="-342900">
-              <a:lnSpc>
-                <a:spcPts val="2200"/>
-              </a:lnSpc>
-              <a:buFont typeface="Wingdings" panose="05000000000000000000" pitchFamily="2" charset="2"/>
-              <a:buChar char="n"/>
-            </a:pPr>
-            <a:r>
-              <a:rPr lang="zh-CN" altLang="en-US" sz="1600">
-                <a:solidFill>
-                  <a:schemeClr val="tx1">
-                    <a:lumMod val="65000"/>
-                    <a:lumOff val="35000"/>
-                  </a:schemeClr>
-                </a:solidFill>
-                <a:latin typeface="微软雅黑" panose="020B0503020204020204" pitchFamily="34" charset="-122"/>
-                <a:ea typeface="微软雅黑" panose="020B0503020204020204" pitchFamily="34" charset="-122"/>
-              </a:rPr>
-              <a:t>单链表翻转：</a:t>
-            </a:r>
-            <a:endParaRPr lang="zh-CN" altLang="en-US" sz="1600">
-              <a:solidFill>
-                <a:schemeClr val="tx1">
-                  <a:lumMod val="65000"/>
-                  <a:lumOff val="35000"/>
-                </a:schemeClr>
-              </a:solidFill>
-              <a:latin typeface="微软雅黑" panose="020B0503020204020204" pitchFamily="34" charset="-122"/>
-              <a:ea typeface="微软雅黑" panose="020B0503020204020204" pitchFamily="34" charset="-122"/>
-            </a:endParaRPr>
-          </a:p>
-          <a:p>
-            <a:pPr marL="800100" lvl="1" indent="-342900">
-              <a:lnSpc>
-                <a:spcPts val="2200"/>
-              </a:lnSpc>
-              <a:buFont typeface="Wingdings" panose="05000000000000000000" pitchFamily="2" charset="2"/>
-              <a:buChar char="n"/>
-            </a:pPr>
-            <a:r>
-              <a:rPr lang="zh-CN" altLang="en-US" sz="1600">
-                <a:solidFill>
-                  <a:schemeClr val="tx1">
-                    <a:lumMod val="65000"/>
-                    <a:lumOff val="35000"/>
-                  </a:schemeClr>
-                </a:solidFill>
-                <a:latin typeface="微软雅黑" panose="020B0503020204020204" pitchFamily="34" charset="-122"/>
-                <a:ea typeface="微软雅黑" panose="020B0503020204020204" pitchFamily="34" charset="-122"/>
-                <a:sym typeface="+mn-ea"/>
-              </a:rPr>
-              <a:t>递归：</a:t>
-            </a:r>
-            <a:endParaRPr lang="zh-CN" altLang="en-US" sz="1600">
-              <a:solidFill>
-                <a:schemeClr val="tx1">
-                  <a:lumMod val="65000"/>
-                  <a:lumOff val="35000"/>
-                </a:schemeClr>
-              </a:solidFill>
-              <a:latin typeface="微软雅黑" panose="020B0503020204020204" pitchFamily="34" charset="-122"/>
-              <a:ea typeface="微软雅黑" panose="020B0503020204020204" pitchFamily="34" charset="-122"/>
-              <a:sym typeface="+mn-ea"/>
-            </a:endParaRPr>
-          </a:p>
-          <a:p>
-            <a:pPr marL="1257300" lvl="2" indent="-342900">
-              <a:lnSpc>
-                <a:spcPts val="2200"/>
-              </a:lnSpc>
-              <a:buFont typeface="Wingdings" panose="05000000000000000000" pitchFamily="2" charset="2"/>
-              <a:buChar char="n"/>
-            </a:pPr>
-            <a:r>
-              <a:rPr lang="zh-CN" altLang="en-US" sz="1600">
-                <a:solidFill>
-                  <a:schemeClr val="tx1">
-                    <a:lumMod val="65000"/>
-                    <a:lumOff val="35000"/>
-                  </a:schemeClr>
-                </a:solidFill>
-                <a:latin typeface="微软雅黑" panose="020B0503020204020204" pitchFamily="34" charset="-122"/>
-                <a:ea typeface="微软雅黑" panose="020B0503020204020204" pitchFamily="34" charset="-122"/>
-                <a:sym typeface="+mn-ea"/>
-              </a:rPr>
-              <a:t>if head?.next == nil { return head }</a:t>
-            </a:r>
-            <a:endParaRPr lang="zh-CN" altLang="en-US" sz="1600">
-              <a:solidFill>
-                <a:schemeClr val="tx1">
-                  <a:lumMod val="65000"/>
-                  <a:lumOff val="35000"/>
-                </a:schemeClr>
-              </a:solidFill>
-              <a:latin typeface="微软雅黑" panose="020B0503020204020204" pitchFamily="34" charset="-122"/>
-              <a:ea typeface="微软雅黑" panose="020B0503020204020204" pitchFamily="34" charset="-122"/>
-              <a:sym typeface="+mn-ea"/>
-            </a:endParaRPr>
-          </a:p>
-          <a:p>
-            <a:pPr marL="1257300" lvl="2" indent="-342900">
-              <a:lnSpc>
-                <a:spcPts val="2200"/>
-              </a:lnSpc>
-              <a:buFont typeface="Wingdings" panose="05000000000000000000" pitchFamily="2" charset="2"/>
-              <a:buChar char="n"/>
-            </a:pPr>
-            <a:r>
-              <a:rPr lang="zh-CN" altLang="en-US" sz="1600">
-                <a:solidFill>
-                  <a:schemeClr val="tx1">
-                    <a:lumMod val="65000"/>
-                    <a:lumOff val="35000"/>
-                  </a:schemeClr>
-                </a:solidFill>
-                <a:latin typeface="微软雅黑" panose="020B0503020204020204" pitchFamily="34" charset="-122"/>
-                <a:ea typeface="微软雅黑" panose="020B0503020204020204" pitchFamily="34" charset="-122"/>
-                <a:sym typeface="+mn-ea"/>
-              </a:rPr>
-              <a:t>let node = reverseList(head?.next)</a:t>
-            </a:r>
-            <a:endParaRPr lang="zh-CN" altLang="en-US" sz="1600">
-              <a:solidFill>
-                <a:schemeClr val="tx1">
-                  <a:lumMod val="65000"/>
-                  <a:lumOff val="35000"/>
-                </a:schemeClr>
-              </a:solidFill>
-              <a:latin typeface="微软雅黑" panose="020B0503020204020204" pitchFamily="34" charset="-122"/>
-              <a:ea typeface="微软雅黑" panose="020B0503020204020204" pitchFamily="34" charset="-122"/>
-              <a:sym typeface="+mn-ea"/>
-            </a:endParaRPr>
-          </a:p>
-          <a:p>
-            <a:pPr marL="1257300" lvl="2" indent="-342900">
-              <a:lnSpc>
-                <a:spcPts val="2200"/>
-              </a:lnSpc>
-              <a:buFont typeface="Wingdings" panose="05000000000000000000" pitchFamily="2" charset="2"/>
-              <a:buChar char="n"/>
-            </a:pPr>
-            <a:r>
-              <a:rPr lang="zh-CN" altLang="en-US" sz="1600">
-                <a:solidFill>
-                  <a:schemeClr val="tx1">
-                    <a:lumMod val="65000"/>
-                    <a:lumOff val="35000"/>
-                  </a:schemeClr>
-                </a:solidFill>
-                <a:latin typeface="微软雅黑" panose="020B0503020204020204" pitchFamily="34" charset="-122"/>
-                <a:ea typeface="微软雅黑" panose="020B0503020204020204" pitchFamily="34" charset="-122"/>
-                <a:sym typeface="+mn-ea"/>
-              </a:rPr>
-              <a:t>head?.next?.next = head</a:t>
-            </a:r>
-            <a:endParaRPr lang="zh-CN" altLang="en-US" sz="1600">
-              <a:solidFill>
-                <a:schemeClr val="tx1">
-                  <a:lumMod val="65000"/>
-                  <a:lumOff val="35000"/>
-                </a:schemeClr>
-              </a:solidFill>
-              <a:latin typeface="微软雅黑" panose="020B0503020204020204" pitchFamily="34" charset="-122"/>
-              <a:ea typeface="微软雅黑" panose="020B0503020204020204" pitchFamily="34" charset="-122"/>
-              <a:sym typeface="+mn-ea"/>
-            </a:endParaRPr>
-          </a:p>
-          <a:p>
-            <a:pPr marL="1257300" lvl="2" indent="-342900">
-              <a:lnSpc>
-                <a:spcPts val="2200"/>
-              </a:lnSpc>
-              <a:buFont typeface="Wingdings" panose="05000000000000000000" pitchFamily="2" charset="2"/>
-              <a:buChar char="n"/>
-            </a:pPr>
-            <a:r>
-              <a:rPr lang="zh-CN" altLang="en-US" sz="1600">
-                <a:solidFill>
-                  <a:schemeClr val="tx1">
-                    <a:lumMod val="65000"/>
-                    <a:lumOff val="35000"/>
-                  </a:schemeClr>
-                </a:solidFill>
-                <a:latin typeface="微软雅黑" panose="020B0503020204020204" pitchFamily="34" charset="-122"/>
-                <a:ea typeface="微软雅黑" panose="020B0503020204020204" pitchFamily="34" charset="-122"/>
-                <a:sym typeface="+mn-ea"/>
-              </a:rPr>
-              <a:t>head?.next = nil</a:t>
-            </a:r>
-            <a:endParaRPr lang="zh-CN" altLang="en-US" sz="1600">
-              <a:solidFill>
-                <a:schemeClr val="tx1">
-                  <a:lumMod val="65000"/>
-                  <a:lumOff val="35000"/>
-                </a:schemeClr>
-              </a:solidFill>
-              <a:latin typeface="微软雅黑" panose="020B0503020204020204" pitchFamily="34" charset="-122"/>
-              <a:ea typeface="微软雅黑" panose="020B0503020204020204" pitchFamily="34" charset="-122"/>
-              <a:sym typeface="+mn-ea"/>
-            </a:endParaRPr>
-          </a:p>
-          <a:p>
-            <a:pPr marL="1257300" lvl="2" indent="-342900">
-              <a:lnSpc>
-                <a:spcPts val="2200"/>
-              </a:lnSpc>
-              <a:buFont typeface="Wingdings" panose="05000000000000000000" pitchFamily="2" charset="2"/>
-              <a:buChar char="n"/>
-            </a:pPr>
-            <a:r>
-              <a:rPr lang="zh-CN" altLang="en-US" sz="1600">
-                <a:solidFill>
-                  <a:schemeClr val="tx1">
-                    <a:lumMod val="65000"/>
-                    <a:lumOff val="35000"/>
-                  </a:schemeClr>
-                </a:solidFill>
-                <a:latin typeface="微软雅黑" panose="020B0503020204020204" pitchFamily="34" charset="-122"/>
-                <a:ea typeface="微软雅黑" panose="020B0503020204020204" pitchFamily="34" charset="-122"/>
-                <a:sym typeface="+mn-ea"/>
-              </a:rPr>
-              <a:t>return node</a:t>
-            </a:r>
-            <a:endParaRPr lang="zh-CN" altLang="en-US" sz="1600">
-              <a:solidFill>
-                <a:schemeClr val="tx1">
-                  <a:lumMod val="65000"/>
-                  <a:lumOff val="35000"/>
-                </a:schemeClr>
-              </a:solidFill>
-              <a:latin typeface="微软雅黑" panose="020B0503020204020204" pitchFamily="34" charset="-122"/>
-              <a:ea typeface="微软雅黑" panose="020B0503020204020204" pitchFamily="34" charset="-122"/>
-              <a:sym typeface="+mn-ea"/>
-            </a:endParaRPr>
-          </a:p>
-          <a:p>
-            <a:pPr marL="800100" lvl="1" indent="-342900">
-              <a:lnSpc>
-                <a:spcPts val="2200"/>
-              </a:lnSpc>
-              <a:buFont typeface="Wingdings" panose="05000000000000000000" pitchFamily="2" charset="2"/>
-              <a:buChar char="n"/>
-            </a:pPr>
-            <a:r>
-              <a:rPr lang="zh-CN" altLang="en-US" sz="1600">
-                <a:solidFill>
-                  <a:schemeClr val="tx1">
-                    <a:lumMod val="65000"/>
-                    <a:lumOff val="35000"/>
-                  </a:schemeClr>
-                </a:solidFill>
-                <a:latin typeface="微软雅黑" panose="020B0503020204020204" pitchFamily="34" charset="-122"/>
-                <a:ea typeface="微软雅黑" panose="020B0503020204020204" pitchFamily="34" charset="-122"/>
-              </a:rPr>
-              <a:t>迭代：</a:t>
-            </a:r>
-            <a:endParaRPr lang="zh-CN" altLang="en-US" sz="1600">
-              <a:solidFill>
-                <a:schemeClr val="tx1">
-                  <a:lumMod val="65000"/>
-                  <a:lumOff val="35000"/>
-                </a:schemeClr>
-              </a:solidFill>
-              <a:latin typeface="微软雅黑" panose="020B0503020204020204" pitchFamily="34" charset="-122"/>
-              <a:ea typeface="微软雅黑" panose="020B0503020204020204" pitchFamily="34" charset="-122"/>
-            </a:endParaRPr>
-          </a:p>
-          <a:p>
-            <a:pPr marL="1257300" lvl="2" indent="-342900">
-              <a:lnSpc>
-                <a:spcPts val="2200"/>
-              </a:lnSpc>
-              <a:buFont typeface="Wingdings" panose="05000000000000000000" pitchFamily="2" charset="2"/>
-              <a:buChar char="n"/>
-            </a:pPr>
-            <a:r>
-              <a:rPr lang="zh-CN" altLang="en-US" sz="1600">
-                <a:solidFill>
-                  <a:schemeClr val="tx1">
-                    <a:lumMod val="65000"/>
-                    <a:lumOff val="35000"/>
-                  </a:schemeClr>
-                </a:solidFill>
-                <a:latin typeface="微软雅黑" panose="020B0503020204020204" pitchFamily="34" charset="-122"/>
-                <a:ea typeface="微软雅黑" panose="020B0503020204020204" pitchFamily="34" charset="-122"/>
-                <a:sym typeface="+mn-ea"/>
-              </a:rPr>
-              <a:t>var head_n: ListNode? = head</a:t>
-            </a:r>
-            <a:endParaRPr lang="zh-CN" altLang="en-US" sz="1600">
-              <a:solidFill>
-                <a:schemeClr val="tx1">
-                  <a:lumMod val="65000"/>
-                  <a:lumOff val="35000"/>
-                </a:schemeClr>
-              </a:solidFill>
-              <a:latin typeface="微软雅黑" panose="020B0503020204020204" pitchFamily="34" charset="-122"/>
-              <a:ea typeface="微软雅黑" panose="020B0503020204020204" pitchFamily="34" charset="-122"/>
-              <a:sym typeface="+mn-ea"/>
-            </a:endParaRPr>
-          </a:p>
-          <a:p>
-            <a:pPr marL="1257300" lvl="2" indent="-342900">
-              <a:lnSpc>
-                <a:spcPts val="2200"/>
-              </a:lnSpc>
-              <a:buFont typeface="Wingdings" panose="05000000000000000000" pitchFamily="2" charset="2"/>
-              <a:buChar char="n"/>
-            </a:pPr>
-            <a:r>
-              <a:rPr lang="zh-CN" altLang="en-US" sz="1600">
-                <a:solidFill>
-                  <a:schemeClr val="tx1">
-                    <a:lumMod val="65000"/>
-                    <a:lumOff val="35000"/>
-                  </a:schemeClr>
-                </a:solidFill>
-                <a:latin typeface="微软雅黑" panose="020B0503020204020204" pitchFamily="34" charset="-122"/>
-                <a:ea typeface="微软雅黑" panose="020B0503020204020204" pitchFamily="34" charset="-122"/>
-                <a:sym typeface="+mn-ea"/>
-              </a:rPr>
-              <a:t> while head?.next != nil {</a:t>
-            </a:r>
-            <a:endParaRPr lang="zh-CN" altLang="en-US" sz="1600">
-              <a:solidFill>
-                <a:schemeClr val="tx1">
-                  <a:lumMod val="65000"/>
-                  <a:lumOff val="35000"/>
-                </a:schemeClr>
-              </a:solidFill>
-              <a:latin typeface="微软雅黑" panose="020B0503020204020204" pitchFamily="34" charset="-122"/>
-              <a:ea typeface="微软雅黑" panose="020B0503020204020204" pitchFamily="34" charset="-122"/>
-              <a:sym typeface="+mn-ea"/>
-            </a:endParaRPr>
-          </a:p>
-          <a:p>
-            <a:pPr marL="1257300" lvl="2" indent="-342900">
-              <a:lnSpc>
-                <a:spcPts val="2200"/>
-              </a:lnSpc>
-              <a:buFont typeface="Wingdings" panose="05000000000000000000" pitchFamily="2" charset="2"/>
-              <a:buChar char="n"/>
-            </a:pPr>
-            <a:r>
-              <a:rPr lang="zh-CN" altLang="en-US" sz="1600">
-                <a:solidFill>
-                  <a:schemeClr val="tx1">
-                    <a:lumMod val="65000"/>
-                    <a:lumOff val="35000"/>
-                  </a:schemeClr>
-                </a:solidFill>
-                <a:latin typeface="微软雅黑" panose="020B0503020204020204" pitchFamily="34" charset="-122"/>
-                <a:ea typeface="微软雅黑" panose="020B0503020204020204" pitchFamily="34" charset="-122"/>
-                <a:sym typeface="+mn-ea"/>
-              </a:rPr>
-              <a:t>        var temp = head?.next</a:t>
-            </a:r>
-            <a:endParaRPr lang="zh-CN" altLang="en-US" sz="1600">
-              <a:solidFill>
-                <a:schemeClr val="tx1">
-                  <a:lumMod val="65000"/>
-                  <a:lumOff val="35000"/>
-                </a:schemeClr>
-              </a:solidFill>
-              <a:latin typeface="微软雅黑" panose="020B0503020204020204" pitchFamily="34" charset="-122"/>
-              <a:ea typeface="微软雅黑" panose="020B0503020204020204" pitchFamily="34" charset="-122"/>
-              <a:sym typeface="+mn-ea"/>
-            </a:endParaRPr>
-          </a:p>
-          <a:p>
-            <a:pPr marL="1257300" lvl="2" indent="-342900">
-              <a:lnSpc>
-                <a:spcPts val="2200"/>
-              </a:lnSpc>
-              <a:buFont typeface="Wingdings" panose="05000000000000000000" pitchFamily="2" charset="2"/>
-              <a:buChar char="n"/>
-            </a:pPr>
-            <a:r>
-              <a:rPr lang="zh-CN" altLang="en-US" sz="1600">
-                <a:solidFill>
-                  <a:schemeClr val="tx1">
-                    <a:lumMod val="65000"/>
-                    <a:lumOff val="35000"/>
-                  </a:schemeClr>
-                </a:solidFill>
-                <a:latin typeface="微软雅黑" panose="020B0503020204020204" pitchFamily="34" charset="-122"/>
-                <a:ea typeface="微软雅黑" panose="020B0503020204020204" pitchFamily="34" charset="-122"/>
-                <a:sym typeface="+mn-ea"/>
-              </a:rPr>
-              <a:t>        head?.next = temp?.next</a:t>
-            </a:r>
-            <a:endParaRPr lang="zh-CN" altLang="en-US" sz="1600">
-              <a:solidFill>
-                <a:schemeClr val="tx1">
-                  <a:lumMod val="65000"/>
-                  <a:lumOff val="35000"/>
-                </a:schemeClr>
-              </a:solidFill>
-              <a:latin typeface="微软雅黑" panose="020B0503020204020204" pitchFamily="34" charset="-122"/>
-              <a:ea typeface="微软雅黑" panose="020B0503020204020204" pitchFamily="34" charset="-122"/>
-              <a:sym typeface="+mn-ea"/>
-            </a:endParaRPr>
-          </a:p>
-          <a:p>
-            <a:pPr marL="1257300" lvl="2" indent="-342900">
-              <a:lnSpc>
-                <a:spcPts val="2200"/>
-              </a:lnSpc>
-              <a:buFont typeface="Wingdings" panose="05000000000000000000" pitchFamily="2" charset="2"/>
-              <a:buChar char="n"/>
-            </a:pPr>
-            <a:r>
-              <a:rPr lang="zh-CN" altLang="en-US" sz="1600">
-                <a:solidFill>
-                  <a:schemeClr val="tx1">
-                    <a:lumMod val="65000"/>
-                    <a:lumOff val="35000"/>
-                  </a:schemeClr>
-                </a:solidFill>
-                <a:latin typeface="微软雅黑" panose="020B0503020204020204" pitchFamily="34" charset="-122"/>
-                <a:ea typeface="微软雅黑" panose="020B0503020204020204" pitchFamily="34" charset="-122"/>
-                <a:sym typeface="+mn-ea"/>
-              </a:rPr>
-              <a:t>        temp?.next = head_n</a:t>
-            </a:r>
-            <a:endParaRPr lang="zh-CN" altLang="en-US" sz="1600">
-              <a:solidFill>
-                <a:schemeClr val="tx1">
-                  <a:lumMod val="65000"/>
-                  <a:lumOff val="35000"/>
-                </a:schemeClr>
-              </a:solidFill>
-              <a:latin typeface="微软雅黑" panose="020B0503020204020204" pitchFamily="34" charset="-122"/>
-              <a:ea typeface="微软雅黑" panose="020B0503020204020204" pitchFamily="34" charset="-122"/>
-              <a:sym typeface="+mn-ea"/>
-            </a:endParaRPr>
-          </a:p>
-          <a:p>
-            <a:pPr marL="1257300" lvl="2" indent="-342900">
-              <a:lnSpc>
-                <a:spcPts val="2200"/>
-              </a:lnSpc>
-              <a:buFont typeface="Wingdings" panose="05000000000000000000" pitchFamily="2" charset="2"/>
-              <a:buChar char="n"/>
-            </a:pPr>
-            <a:r>
-              <a:rPr lang="zh-CN" altLang="en-US" sz="1600">
-                <a:solidFill>
-                  <a:schemeClr val="tx1">
-                    <a:lumMod val="65000"/>
-                    <a:lumOff val="35000"/>
-                  </a:schemeClr>
-                </a:solidFill>
-                <a:latin typeface="微软雅黑" panose="020B0503020204020204" pitchFamily="34" charset="-122"/>
-                <a:ea typeface="微软雅黑" panose="020B0503020204020204" pitchFamily="34" charset="-122"/>
-                <a:sym typeface="+mn-ea"/>
-              </a:rPr>
-              <a:t>        head_n = temp</a:t>
-            </a:r>
-            <a:endParaRPr lang="zh-CN" altLang="en-US" sz="1600">
-              <a:solidFill>
-                <a:schemeClr val="tx1">
-                  <a:lumMod val="65000"/>
-                  <a:lumOff val="35000"/>
-                </a:schemeClr>
-              </a:solidFill>
-              <a:latin typeface="微软雅黑" panose="020B0503020204020204" pitchFamily="34" charset="-122"/>
-              <a:ea typeface="微软雅黑" panose="020B0503020204020204" pitchFamily="34" charset="-122"/>
-              <a:sym typeface="+mn-ea"/>
-            </a:endParaRPr>
-          </a:p>
-          <a:p>
-            <a:pPr marL="1257300" lvl="2" indent="-342900">
-              <a:lnSpc>
-                <a:spcPts val="2200"/>
-              </a:lnSpc>
-              <a:buFont typeface="Wingdings" panose="05000000000000000000" pitchFamily="2" charset="2"/>
-              <a:buChar char="n"/>
-            </a:pPr>
-            <a:r>
-              <a:rPr lang="zh-CN" altLang="en-US" sz="1600">
-                <a:solidFill>
-                  <a:schemeClr val="tx1">
-                    <a:lumMod val="65000"/>
-                    <a:lumOff val="35000"/>
-                  </a:schemeClr>
-                </a:solidFill>
-                <a:latin typeface="微软雅黑" panose="020B0503020204020204" pitchFamily="34" charset="-122"/>
-                <a:ea typeface="微软雅黑" panose="020B0503020204020204" pitchFamily="34" charset="-122"/>
-                <a:sym typeface="+mn-ea"/>
-              </a:rPr>
-              <a:t>  }</a:t>
-            </a:r>
-            <a:endParaRPr lang="zh-CN" altLang="en-US" sz="1600">
-              <a:solidFill>
-                <a:schemeClr val="tx1">
-                  <a:lumMod val="65000"/>
-                  <a:lumOff val="35000"/>
-                </a:schemeClr>
-              </a:solidFill>
-              <a:latin typeface="微软雅黑" panose="020B0503020204020204" pitchFamily="34" charset="-122"/>
-              <a:ea typeface="微软雅黑" panose="020B0503020204020204" pitchFamily="34" charset="-122"/>
-              <a:sym typeface="+mn-ea"/>
-            </a:endParaRPr>
-          </a:p>
-          <a:p>
-            <a:pPr marL="1257300" lvl="2" indent="-342900">
-              <a:lnSpc>
-                <a:spcPts val="2200"/>
-              </a:lnSpc>
-              <a:buFont typeface="Wingdings" panose="05000000000000000000" pitchFamily="2" charset="2"/>
-              <a:buChar char="n"/>
-            </a:pPr>
-            <a:r>
-              <a:rPr lang="zh-CN" altLang="en-US" sz="1600">
-                <a:solidFill>
-                  <a:schemeClr val="tx1">
-                    <a:lumMod val="65000"/>
-                    <a:lumOff val="35000"/>
-                  </a:schemeClr>
-                </a:solidFill>
-                <a:latin typeface="微软雅黑" panose="020B0503020204020204" pitchFamily="34" charset="-122"/>
-                <a:ea typeface="微软雅黑" panose="020B0503020204020204" pitchFamily="34" charset="-122"/>
-                <a:sym typeface="+mn-ea"/>
-              </a:rPr>
-              <a:t>  return head_n</a:t>
-            </a:r>
-            <a:endParaRPr lang="zh-CN" altLang="en-US" sz="1600">
-              <a:solidFill>
-                <a:schemeClr val="tx1">
-                  <a:lumMod val="65000"/>
-                  <a:lumOff val="35000"/>
-                </a:schemeClr>
-              </a:solidFill>
-              <a:latin typeface="微软雅黑" panose="020B0503020204020204" pitchFamily="34" charset="-122"/>
-              <a:ea typeface="微软雅黑" panose="020B0503020204020204" pitchFamily="34" charset="-122"/>
-            </a:endParaRPr>
-          </a:p>
-        </p:txBody>
-      </p:sp>
-    </p:spTree>
-  </p:cSld>
-  <p:clrMapOvr>
-    <a:masterClrMapping/>
-  </p:clrMapOvr>
-  <p:timing>
-    <p:tnLst>
-      <p:par>
-        <p:cTn id="1" dur="indefinite" restart="never" nodeType="tmRoot">
-          <p:childTnLst>
-            <p:seq concurrent="1" nextAc="seek">
-              <p:cTn id="2" dur="indefinite" nodeType="mainSeq">
-                <p:childTnLst>
-                  <p:par>
-                    <p:cTn id="3" fill="hold">
-                      <p:stCondLst>
-                        <p:cond delay="indefinite"/>
-                      </p:stCondLst>
-                      <p:childTnLst>
-                        <p:par>
-                          <p:cTn id="4" fill="hold">
-                            <p:stCondLst>
-                              <p:cond delay="0"/>
-                            </p:stCondLst>
-                            <p:childTnLst>
-                              <p:par>
-                                <p:cTn id="5" presetID="22" presetClass="entr" presetSubtype="8" fill="hold" nodeType="clickEffect">
-                                  <p:stCondLst>
-                                    <p:cond delay="0"/>
-                                  </p:stCondLst>
-                                  <p:childTnLst>
-                                    <p:set>
-                                      <p:cBhvr>
-                                        <p:cTn id="6" dur="1" fill="hold">
-                                          <p:stCondLst>
-                                            <p:cond delay="0"/>
-                                          </p:stCondLst>
-                                        </p:cTn>
-                                        <p:tgtEl>
-                                          <p:spTgt spid="44">
-                                            <p:txEl>
-                                              <p:pRg st="0" end="0"/>
-                                            </p:txEl>
-                                          </p:spTgt>
-                                        </p:tgtEl>
-                                        <p:attrNameLst>
-                                          <p:attrName>style.visibility</p:attrName>
-                                        </p:attrNameLst>
-                                      </p:cBhvr>
-                                      <p:to>
-                                        <p:strVal val="visible"/>
-                                      </p:to>
-                                    </p:set>
-                                    <p:animEffect transition="in" filter="wipe(left)">
-                                      <p:cBhvr>
-                                        <p:cTn id="7" dur="500"/>
-                                        <p:tgtEl>
-                                          <p:spTgt spid="44">
-                                            <p:txEl>
-                                              <p:pRg st="0" end="0"/>
-                                            </p:txEl>
-                                          </p:spTgt>
-                                        </p:tgtEl>
-                                      </p:cBhvr>
-                                    </p:animEffect>
-                                  </p:childTnLst>
-                                </p:cTn>
-                              </p:par>
-                            </p:childTnLst>
-                          </p:cTn>
-                        </p:par>
-                      </p:childTnLst>
-                    </p:cTn>
-                  </p:par>
-                  <p:par>
-                    <p:cTn id="8" fill="hold">
-                      <p:stCondLst>
-                        <p:cond delay="indefinite"/>
-                      </p:stCondLst>
-                      <p:childTnLst>
-                        <p:par>
-                          <p:cTn id="9" fill="hold">
-                            <p:stCondLst>
-                              <p:cond delay="0"/>
-                            </p:stCondLst>
-                            <p:childTnLst>
-                              <p:par>
-                                <p:cTn id="10" presetID="22" presetClass="entr" presetSubtype="8" fill="hold" nodeType="clickEffect">
-                                  <p:stCondLst>
-                                    <p:cond delay="0"/>
-                                  </p:stCondLst>
-                                  <p:childTnLst>
-                                    <p:set>
-                                      <p:cBhvr>
-                                        <p:cTn id="11" dur="1" fill="hold">
-                                          <p:stCondLst>
-                                            <p:cond delay="0"/>
-                                          </p:stCondLst>
-                                        </p:cTn>
-                                        <p:tgtEl>
-                                          <p:spTgt spid="44">
-                                            <p:txEl>
-                                              <p:pRg st="1" end="1"/>
-                                            </p:txEl>
-                                          </p:spTgt>
-                                        </p:tgtEl>
-                                        <p:attrNameLst>
-                                          <p:attrName>style.visibility</p:attrName>
-                                        </p:attrNameLst>
-                                      </p:cBhvr>
-                                      <p:to>
-                                        <p:strVal val="visible"/>
-                                      </p:to>
-                                    </p:set>
-                                    <p:animEffect transition="in" filter="wipe(left)">
-                                      <p:cBhvr>
-                                        <p:cTn id="12" dur="500"/>
-                                        <p:tgtEl>
-                                          <p:spTgt spid="44">
-                                            <p:txEl>
-                                              <p:pRg st="1" end="1"/>
-                                            </p:txEl>
-                                          </p:spTgt>
-                                        </p:tgtEl>
-                                      </p:cBhvr>
-                                    </p:animEffect>
-                                  </p:childTnLst>
-                                </p:cTn>
-                              </p:par>
-                            </p:childTnLst>
-                          </p:cTn>
-                        </p:par>
-                      </p:childTnLst>
-                    </p:cTn>
-                  </p:par>
-                  <p:par>
-                    <p:cTn id="13" fill="hold">
-                      <p:stCondLst>
-                        <p:cond delay="indefinite"/>
-                      </p:stCondLst>
-                      <p:childTnLst>
-                        <p:par>
-                          <p:cTn id="14" fill="hold">
-                            <p:stCondLst>
-                              <p:cond delay="0"/>
-                            </p:stCondLst>
-                            <p:childTnLst>
-                              <p:par>
-                                <p:cTn id="15" presetID="22" presetClass="entr" presetSubtype="8" fill="hold" nodeType="clickEffect">
-                                  <p:stCondLst>
-                                    <p:cond delay="0"/>
-                                  </p:stCondLst>
-                                  <p:childTnLst>
-                                    <p:set>
-                                      <p:cBhvr>
-                                        <p:cTn id="16" dur="1" fill="hold">
-                                          <p:stCondLst>
-                                            <p:cond delay="0"/>
-                                          </p:stCondLst>
-                                        </p:cTn>
-                                        <p:tgtEl>
-                                          <p:spTgt spid="44">
-                                            <p:txEl>
-                                              <p:pRg st="2" end="2"/>
-                                            </p:txEl>
-                                          </p:spTgt>
-                                        </p:tgtEl>
-                                        <p:attrNameLst>
-                                          <p:attrName>style.visibility</p:attrName>
-                                        </p:attrNameLst>
-                                      </p:cBhvr>
-                                      <p:to>
-                                        <p:strVal val="visible"/>
-                                      </p:to>
-                                    </p:set>
-                                    <p:animEffect transition="in" filter="wipe(left)">
-                                      <p:cBhvr>
-                                        <p:cTn id="17" dur="500"/>
-                                        <p:tgtEl>
-                                          <p:spTgt spid="44">
-                                            <p:txEl>
-                                              <p:pRg st="2" end="2"/>
-                                            </p:txEl>
-                                          </p:spTgt>
-                                        </p:tgtEl>
-                                      </p:cBhvr>
-                                    </p:animEffect>
-                                  </p:childTnLst>
-                                </p:cTn>
-                              </p:par>
-                            </p:childTnLst>
-                          </p:cTn>
-                        </p:par>
-                      </p:childTnLst>
-                    </p:cTn>
-                  </p:par>
-                  <p:par>
-                    <p:cTn id="18" fill="hold">
-                      <p:stCondLst>
-                        <p:cond delay="indefinite"/>
-                      </p:stCondLst>
-                      <p:childTnLst>
-                        <p:par>
-                          <p:cTn id="19" fill="hold">
-                            <p:stCondLst>
-                              <p:cond delay="0"/>
-                            </p:stCondLst>
-                            <p:childTnLst>
-                              <p:par>
-                                <p:cTn id="20" presetID="22" presetClass="entr" presetSubtype="8" fill="hold" nodeType="clickEffect">
-                                  <p:stCondLst>
-                                    <p:cond delay="0"/>
-                                  </p:stCondLst>
-                                  <p:childTnLst>
-                                    <p:set>
-                                      <p:cBhvr>
-                                        <p:cTn id="21" dur="1" fill="hold">
-                                          <p:stCondLst>
-                                            <p:cond delay="0"/>
-                                          </p:stCondLst>
-                                        </p:cTn>
-                                        <p:tgtEl>
-                                          <p:spTgt spid="44">
-                                            <p:txEl>
-                                              <p:pRg st="3" end="3"/>
-                                            </p:txEl>
-                                          </p:spTgt>
-                                        </p:tgtEl>
-                                        <p:attrNameLst>
-                                          <p:attrName>style.visibility</p:attrName>
-                                        </p:attrNameLst>
-                                      </p:cBhvr>
-                                      <p:to>
-                                        <p:strVal val="visible"/>
-                                      </p:to>
-                                    </p:set>
-                                    <p:animEffect transition="in" filter="wipe(left)">
-                                      <p:cBhvr>
-                                        <p:cTn id="22" dur="500"/>
-                                        <p:tgtEl>
-                                          <p:spTgt spid="44">
-                                            <p:txEl>
-                                              <p:pRg st="3" end="3"/>
-                                            </p:txEl>
-                                          </p:spTgt>
-                                        </p:tgtEl>
-                                      </p:cBhvr>
-                                    </p:animEffect>
-                                  </p:childTnLst>
-                                </p:cTn>
-                              </p:par>
-                            </p:childTnLst>
-                          </p:cTn>
-                        </p:par>
-                      </p:childTnLst>
-                    </p:cTn>
-                  </p:par>
-                  <p:par>
-                    <p:cTn id="23" fill="hold">
-                      <p:stCondLst>
-                        <p:cond delay="indefinite"/>
-                      </p:stCondLst>
-                      <p:childTnLst>
-                        <p:par>
-                          <p:cTn id="24" fill="hold">
-                            <p:stCondLst>
-                              <p:cond delay="0"/>
-                            </p:stCondLst>
-                            <p:childTnLst>
-                              <p:par>
-                                <p:cTn id="25" presetID="22" presetClass="entr" presetSubtype="8" fill="hold" nodeType="clickEffect">
-                                  <p:stCondLst>
-                                    <p:cond delay="0"/>
-                                  </p:stCondLst>
-                                  <p:childTnLst>
-                                    <p:set>
-                                      <p:cBhvr>
-                                        <p:cTn id="26" dur="1" fill="hold">
-                                          <p:stCondLst>
-                                            <p:cond delay="0"/>
-                                          </p:stCondLst>
-                                        </p:cTn>
-                                        <p:tgtEl>
-                                          <p:spTgt spid="44">
-                                            <p:txEl>
-                                              <p:pRg st="4" end="4"/>
-                                            </p:txEl>
-                                          </p:spTgt>
-                                        </p:tgtEl>
-                                        <p:attrNameLst>
-                                          <p:attrName>style.visibility</p:attrName>
-                                        </p:attrNameLst>
-                                      </p:cBhvr>
-                                      <p:to>
-                                        <p:strVal val="visible"/>
-                                      </p:to>
-                                    </p:set>
-                                    <p:animEffect transition="in" filter="wipe(left)">
-                                      <p:cBhvr>
-                                        <p:cTn id="27" dur="500"/>
-                                        <p:tgtEl>
-                                          <p:spTgt spid="44">
-                                            <p:txEl>
-                                              <p:pRg st="4" end="4"/>
-                                            </p:txEl>
-                                          </p:spTgt>
-                                        </p:tgtEl>
-                                      </p:cBhvr>
-                                    </p:animEffect>
-                                  </p:childTnLst>
-                                </p:cTn>
-                              </p:par>
-                            </p:childTnLst>
-                          </p:cTn>
-                        </p:par>
-                      </p:childTnLst>
-                    </p:cTn>
-                  </p:par>
-                  <p:par>
-                    <p:cTn id="28" fill="hold">
-                      <p:stCondLst>
-                        <p:cond delay="indefinite"/>
-                      </p:stCondLst>
-                      <p:childTnLst>
-                        <p:par>
-                          <p:cTn id="29" fill="hold">
-                            <p:stCondLst>
-                              <p:cond delay="0"/>
-                            </p:stCondLst>
-                            <p:childTnLst>
-                              <p:par>
-                                <p:cTn id="30" presetID="22" presetClass="entr" presetSubtype="8" fill="hold" nodeType="clickEffect">
-                                  <p:stCondLst>
-                                    <p:cond delay="0"/>
-                                  </p:stCondLst>
-                                  <p:childTnLst>
-                                    <p:set>
-                                      <p:cBhvr>
-                                        <p:cTn id="31" dur="1" fill="hold">
-                                          <p:stCondLst>
-                                            <p:cond delay="0"/>
-                                          </p:stCondLst>
-                                        </p:cTn>
-                                        <p:tgtEl>
-                                          <p:spTgt spid="44">
-                                            <p:txEl>
-                                              <p:pRg st="5" end="5"/>
-                                            </p:txEl>
-                                          </p:spTgt>
-                                        </p:tgtEl>
-                                        <p:attrNameLst>
-                                          <p:attrName>style.visibility</p:attrName>
-                                        </p:attrNameLst>
-                                      </p:cBhvr>
-                                      <p:to>
-                                        <p:strVal val="visible"/>
-                                      </p:to>
-                                    </p:set>
-                                    <p:animEffect transition="in" filter="wipe(left)">
-                                      <p:cBhvr>
-                                        <p:cTn id="32" dur="500"/>
-                                        <p:tgtEl>
-                                          <p:spTgt spid="44">
-                                            <p:txEl>
-                                              <p:pRg st="5" end="5"/>
-                                            </p:txEl>
-                                          </p:spTgt>
-                                        </p:tgtEl>
-                                      </p:cBhvr>
-                                    </p:animEffect>
-                                  </p:childTnLst>
-                                </p:cTn>
-                              </p:par>
-                            </p:childTnLst>
-                          </p:cTn>
-                        </p:par>
-                      </p:childTnLst>
-                    </p:cTn>
-                  </p:par>
-                  <p:par>
-                    <p:cTn id="33" fill="hold">
-                      <p:stCondLst>
-                        <p:cond delay="indefinite"/>
-                      </p:stCondLst>
-                      <p:childTnLst>
-                        <p:par>
-                          <p:cTn id="34" fill="hold">
-                            <p:stCondLst>
-                              <p:cond delay="0"/>
-                            </p:stCondLst>
-                            <p:childTnLst>
-                              <p:par>
-                                <p:cTn id="35" presetID="22" presetClass="entr" presetSubtype="8" fill="hold" nodeType="clickEffect">
-                                  <p:stCondLst>
-                                    <p:cond delay="0"/>
-                                  </p:stCondLst>
-                                  <p:childTnLst>
-                                    <p:set>
-                                      <p:cBhvr>
-                                        <p:cTn id="36" dur="1" fill="hold">
-                                          <p:stCondLst>
-                                            <p:cond delay="0"/>
-                                          </p:stCondLst>
-                                        </p:cTn>
-                                        <p:tgtEl>
-                                          <p:spTgt spid="44">
-                                            <p:txEl>
-                                              <p:pRg st="6" end="6"/>
-                                            </p:txEl>
-                                          </p:spTgt>
-                                        </p:tgtEl>
-                                        <p:attrNameLst>
-                                          <p:attrName>style.visibility</p:attrName>
-                                        </p:attrNameLst>
-                                      </p:cBhvr>
-                                      <p:to>
-                                        <p:strVal val="visible"/>
-                                      </p:to>
-                                    </p:set>
-                                    <p:animEffect transition="in" filter="wipe(left)">
-                                      <p:cBhvr>
-                                        <p:cTn id="37" dur="500"/>
-                                        <p:tgtEl>
-                                          <p:spTgt spid="44">
-                                            <p:txEl>
-                                              <p:pRg st="6" end="6"/>
-                                            </p:txEl>
-                                          </p:spTgt>
-                                        </p:tgtEl>
-                                      </p:cBhvr>
-                                    </p:animEffect>
-                                  </p:childTnLst>
-                                </p:cTn>
-                              </p:par>
-                            </p:childTnLst>
-                          </p:cTn>
-                        </p:par>
-                      </p:childTnLst>
-                    </p:cTn>
-                  </p:par>
-                  <p:par>
-                    <p:cTn id="38" fill="hold">
-                      <p:stCondLst>
-                        <p:cond delay="indefinite"/>
-                      </p:stCondLst>
-                      <p:childTnLst>
-                        <p:par>
-                          <p:cTn id="39" fill="hold">
-                            <p:stCondLst>
-                              <p:cond delay="0"/>
-                            </p:stCondLst>
-                            <p:childTnLst>
-                              <p:par>
-                                <p:cTn id="40" presetID="22" presetClass="entr" presetSubtype="8" fill="hold" nodeType="clickEffect">
-                                  <p:stCondLst>
-                                    <p:cond delay="0"/>
-                                  </p:stCondLst>
-                                  <p:childTnLst>
-                                    <p:set>
-                                      <p:cBhvr>
-                                        <p:cTn id="41" dur="1" fill="hold">
-                                          <p:stCondLst>
-                                            <p:cond delay="0"/>
-                                          </p:stCondLst>
-                                        </p:cTn>
-                                        <p:tgtEl>
-                                          <p:spTgt spid="44">
-                                            <p:txEl>
-                                              <p:pRg st="7" end="7"/>
-                                            </p:txEl>
-                                          </p:spTgt>
-                                        </p:tgtEl>
-                                        <p:attrNameLst>
-                                          <p:attrName>style.visibility</p:attrName>
-                                        </p:attrNameLst>
-                                      </p:cBhvr>
-                                      <p:to>
-                                        <p:strVal val="visible"/>
-                                      </p:to>
-                                    </p:set>
-                                    <p:animEffect transition="in" filter="wipe(left)">
-                                      <p:cBhvr>
-                                        <p:cTn id="42" dur="500"/>
-                                        <p:tgtEl>
-                                          <p:spTgt spid="44">
-                                            <p:txEl>
-                                              <p:pRg st="7" end="7"/>
-                                            </p:txEl>
-                                          </p:spTgt>
-                                        </p:tgtEl>
-                                      </p:cBhvr>
-                                    </p:animEffect>
-                                  </p:childTnLst>
-                                </p:cTn>
-                              </p:par>
-                            </p:childTnLst>
-                          </p:cTn>
-                        </p:par>
-                      </p:childTnLst>
-                    </p:cTn>
-                  </p:par>
-                  <p:par>
-                    <p:cTn id="43" fill="hold">
-                      <p:stCondLst>
-                        <p:cond delay="indefinite"/>
-                      </p:stCondLst>
-                      <p:childTnLst>
-                        <p:par>
-                          <p:cTn id="44" fill="hold">
-                            <p:stCondLst>
-                              <p:cond delay="0"/>
-                            </p:stCondLst>
-                            <p:childTnLst>
-                              <p:par>
-                                <p:cTn id="45" presetID="22" presetClass="entr" presetSubtype="8" fill="hold" nodeType="clickEffect">
-                                  <p:stCondLst>
-                                    <p:cond delay="0"/>
-                                  </p:stCondLst>
-                                  <p:childTnLst>
-                                    <p:set>
-                                      <p:cBhvr>
-                                        <p:cTn id="46" dur="1" fill="hold">
-                                          <p:stCondLst>
-                                            <p:cond delay="0"/>
-                                          </p:stCondLst>
-                                        </p:cTn>
-                                        <p:tgtEl>
-                                          <p:spTgt spid="44">
-                                            <p:txEl>
-                                              <p:pRg st="8" end="8"/>
-                                            </p:txEl>
-                                          </p:spTgt>
-                                        </p:tgtEl>
-                                        <p:attrNameLst>
-                                          <p:attrName>style.visibility</p:attrName>
-                                        </p:attrNameLst>
-                                      </p:cBhvr>
-                                      <p:to>
-                                        <p:strVal val="visible"/>
-                                      </p:to>
-                                    </p:set>
-                                    <p:animEffect transition="in" filter="wipe(left)">
-                                      <p:cBhvr>
-                                        <p:cTn id="47" dur="500"/>
-                                        <p:tgtEl>
-                                          <p:spTgt spid="44">
-                                            <p:txEl>
-                                              <p:pRg st="8" end="8"/>
-                                            </p:txEl>
-                                          </p:spTgt>
-                                        </p:tgtEl>
-                                      </p:cBhvr>
-                                    </p:animEffect>
-                                  </p:childTnLst>
-                                </p:cTn>
-                              </p:par>
-                            </p:childTnLst>
-                          </p:cTn>
-                        </p:par>
-                      </p:childTnLst>
-                    </p:cTn>
-                  </p:par>
-                  <p:par>
-                    <p:cTn id="48" fill="hold">
-                      <p:stCondLst>
-                        <p:cond delay="indefinite"/>
-                      </p:stCondLst>
-                      <p:childTnLst>
-                        <p:par>
-                          <p:cTn id="49" fill="hold">
-                            <p:stCondLst>
-                              <p:cond delay="0"/>
-                            </p:stCondLst>
-                            <p:childTnLst>
-                              <p:par>
-                                <p:cTn id="50" presetID="22" presetClass="entr" presetSubtype="8" fill="hold" nodeType="clickEffect">
-                                  <p:stCondLst>
-                                    <p:cond delay="0"/>
-                                  </p:stCondLst>
-                                  <p:childTnLst>
-                                    <p:set>
-                                      <p:cBhvr>
-                                        <p:cTn id="51" dur="1" fill="hold">
-                                          <p:stCondLst>
-                                            <p:cond delay="0"/>
-                                          </p:stCondLst>
-                                        </p:cTn>
-                                        <p:tgtEl>
-                                          <p:spTgt spid="44">
-                                            <p:txEl>
-                                              <p:pRg st="9" end="9"/>
-                                            </p:txEl>
-                                          </p:spTgt>
-                                        </p:tgtEl>
-                                        <p:attrNameLst>
-                                          <p:attrName>style.visibility</p:attrName>
-                                        </p:attrNameLst>
-                                      </p:cBhvr>
-                                      <p:to>
-                                        <p:strVal val="visible"/>
-                                      </p:to>
-                                    </p:set>
-                                    <p:animEffect transition="in" filter="wipe(left)">
-                                      <p:cBhvr>
-                                        <p:cTn id="52" dur="500"/>
-                                        <p:tgtEl>
-                                          <p:spTgt spid="44">
-                                            <p:txEl>
-                                              <p:pRg st="9" end="9"/>
-                                            </p:txEl>
-                                          </p:spTgt>
-                                        </p:tgtEl>
-                                      </p:cBhvr>
-                                    </p:animEffect>
-                                  </p:childTnLst>
-                                </p:cTn>
-                              </p:par>
-                            </p:childTnLst>
-                          </p:cTn>
-                        </p:par>
-                      </p:childTnLst>
-                    </p:cTn>
-                  </p:par>
-                  <p:par>
-                    <p:cTn id="53" fill="hold">
-                      <p:stCondLst>
-                        <p:cond delay="indefinite"/>
-                      </p:stCondLst>
-                      <p:childTnLst>
-                        <p:par>
-                          <p:cTn id="54" fill="hold">
-                            <p:stCondLst>
-                              <p:cond delay="0"/>
-                            </p:stCondLst>
-                            <p:childTnLst>
-                              <p:par>
-                                <p:cTn id="55" presetID="22" presetClass="entr" presetSubtype="8" fill="hold" nodeType="clickEffect">
-                                  <p:stCondLst>
-                                    <p:cond delay="0"/>
-                                  </p:stCondLst>
-                                  <p:childTnLst>
-                                    <p:set>
-                                      <p:cBhvr>
-                                        <p:cTn id="56" dur="1" fill="hold">
-                                          <p:stCondLst>
-                                            <p:cond delay="0"/>
-                                          </p:stCondLst>
-                                        </p:cTn>
-                                        <p:tgtEl>
-                                          <p:spTgt spid="44">
-                                            <p:txEl>
-                                              <p:pRg st="10" end="10"/>
-                                            </p:txEl>
-                                          </p:spTgt>
-                                        </p:tgtEl>
-                                        <p:attrNameLst>
-                                          <p:attrName>style.visibility</p:attrName>
-                                        </p:attrNameLst>
-                                      </p:cBhvr>
-                                      <p:to>
-                                        <p:strVal val="visible"/>
-                                      </p:to>
-                                    </p:set>
-                                    <p:animEffect transition="in" filter="wipe(left)">
-                                      <p:cBhvr>
-                                        <p:cTn id="57" dur="500"/>
-                                        <p:tgtEl>
-                                          <p:spTgt spid="44">
-                                            <p:txEl>
-                                              <p:pRg st="10" end="10"/>
-                                            </p:txEl>
-                                          </p:spTgt>
-                                        </p:tgtEl>
-                                      </p:cBhvr>
-                                    </p:animEffect>
-                                  </p:childTnLst>
-                                </p:cTn>
-                              </p:par>
-                            </p:childTnLst>
-                          </p:cTn>
-                        </p:par>
-                      </p:childTnLst>
-                    </p:cTn>
-                  </p:par>
-                  <p:par>
-                    <p:cTn id="58" fill="hold">
-                      <p:stCondLst>
-                        <p:cond delay="indefinite"/>
-                      </p:stCondLst>
-                      <p:childTnLst>
-                        <p:par>
-                          <p:cTn id="59" fill="hold">
-                            <p:stCondLst>
-                              <p:cond delay="0"/>
-                            </p:stCondLst>
-                            <p:childTnLst>
-                              <p:par>
-                                <p:cTn id="60" presetID="22" presetClass="entr" presetSubtype="8" fill="hold" nodeType="clickEffect">
-                                  <p:stCondLst>
-                                    <p:cond delay="0"/>
-                                  </p:stCondLst>
-                                  <p:childTnLst>
-                                    <p:set>
-                                      <p:cBhvr>
-                                        <p:cTn id="61" dur="1" fill="hold">
-                                          <p:stCondLst>
-                                            <p:cond delay="0"/>
-                                          </p:stCondLst>
-                                        </p:cTn>
-                                        <p:tgtEl>
-                                          <p:spTgt spid="44">
-                                            <p:txEl>
-                                              <p:pRg st="11" end="11"/>
-                                            </p:txEl>
-                                          </p:spTgt>
-                                        </p:tgtEl>
-                                        <p:attrNameLst>
-                                          <p:attrName>style.visibility</p:attrName>
-                                        </p:attrNameLst>
-                                      </p:cBhvr>
-                                      <p:to>
-                                        <p:strVal val="visible"/>
-                                      </p:to>
-                                    </p:set>
-                                    <p:animEffect transition="in" filter="wipe(left)">
-                                      <p:cBhvr>
-                                        <p:cTn id="62" dur="500"/>
-                                        <p:tgtEl>
-                                          <p:spTgt spid="44">
-                                            <p:txEl>
-                                              <p:pRg st="11" end="11"/>
-                                            </p:txEl>
-                                          </p:spTgt>
-                                        </p:tgtEl>
-                                      </p:cBhvr>
-                                    </p:animEffect>
-                                  </p:childTnLst>
-                                </p:cTn>
-                              </p:par>
-                            </p:childTnLst>
-                          </p:cTn>
-                        </p:par>
-                      </p:childTnLst>
-                    </p:cTn>
-                  </p:par>
-                  <p:par>
-                    <p:cTn id="63" fill="hold">
-                      <p:stCondLst>
-                        <p:cond delay="indefinite"/>
-                      </p:stCondLst>
-                      <p:childTnLst>
-                        <p:par>
-                          <p:cTn id="64" fill="hold">
-                            <p:stCondLst>
-                              <p:cond delay="0"/>
-                            </p:stCondLst>
-                            <p:childTnLst>
-                              <p:par>
-                                <p:cTn id="65" presetID="22" presetClass="entr" presetSubtype="8" fill="hold" nodeType="clickEffect">
-                                  <p:stCondLst>
-                                    <p:cond delay="0"/>
-                                  </p:stCondLst>
-                                  <p:childTnLst>
-                                    <p:set>
-                                      <p:cBhvr>
-                                        <p:cTn id="66" dur="1" fill="hold">
-                                          <p:stCondLst>
-                                            <p:cond delay="0"/>
-                                          </p:stCondLst>
-                                        </p:cTn>
-                                        <p:tgtEl>
-                                          <p:spTgt spid="44">
-                                            <p:txEl>
-                                              <p:pRg st="12" end="12"/>
-                                            </p:txEl>
-                                          </p:spTgt>
-                                        </p:tgtEl>
-                                        <p:attrNameLst>
-                                          <p:attrName>style.visibility</p:attrName>
-                                        </p:attrNameLst>
-                                      </p:cBhvr>
-                                      <p:to>
-                                        <p:strVal val="visible"/>
-                                      </p:to>
-                                    </p:set>
-                                    <p:animEffect transition="in" filter="wipe(left)">
-                                      <p:cBhvr>
-                                        <p:cTn id="67" dur="500"/>
-                                        <p:tgtEl>
-                                          <p:spTgt spid="44">
-                                            <p:txEl>
-                                              <p:pRg st="12" end="12"/>
-                                            </p:txEl>
-                                          </p:spTgt>
-                                        </p:tgtEl>
-                                      </p:cBhvr>
-                                    </p:animEffect>
-                                  </p:childTnLst>
-                                </p:cTn>
-                              </p:par>
-                            </p:childTnLst>
-                          </p:cTn>
-                        </p:par>
-                      </p:childTnLst>
-                    </p:cTn>
-                  </p:par>
-                  <p:par>
-                    <p:cTn id="68" fill="hold">
-                      <p:stCondLst>
-                        <p:cond delay="indefinite"/>
-                      </p:stCondLst>
-                      <p:childTnLst>
-                        <p:par>
-                          <p:cTn id="69" fill="hold">
-                            <p:stCondLst>
-                              <p:cond delay="0"/>
-                            </p:stCondLst>
-                            <p:childTnLst>
-                              <p:par>
-                                <p:cTn id="70" presetID="22" presetClass="entr" presetSubtype="8" fill="hold" nodeType="clickEffect">
-                                  <p:stCondLst>
-                                    <p:cond delay="0"/>
-                                  </p:stCondLst>
-                                  <p:childTnLst>
-                                    <p:set>
-                                      <p:cBhvr>
-                                        <p:cTn id="71" dur="1" fill="hold">
-                                          <p:stCondLst>
-                                            <p:cond delay="0"/>
-                                          </p:stCondLst>
-                                        </p:cTn>
-                                        <p:tgtEl>
-                                          <p:spTgt spid="44">
-                                            <p:txEl>
-                                              <p:pRg st="13" end="13"/>
-                                            </p:txEl>
-                                          </p:spTgt>
-                                        </p:tgtEl>
-                                        <p:attrNameLst>
-                                          <p:attrName>style.visibility</p:attrName>
-                                        </p:attrNameLst>
-                                      </p:cBhvr>
-                                      <p:to>
-                                        <p:strVal val="visible"/>
-                                      </p:to>
-                                    </p:set>
-                                    <p:animEffect transition="in" filter="wipe(left)">
-                                      <p:cBhvr>
-                                        <p:cTn id="72" dur="500"/>
-                                        <p:tgtEl>
-                                          <p:spTgt spid="44">
-                                            <p:txEl>
-                                              <p:pRg st="13" end="13"/>
-                                            </p:txEl>
-                                          </p:spTgt>
-                                        </p:tgtEl>
-                                      </p:cBhvr>
-                                    </p:animEffect>
-                                  </p:childTnLst>
-                                </p:cTn>
-                              </p:par>
-                            </p:childTnLst>
-                          </p:cTn>
-                        </p:par>
-                      </p:childTnLst>
-                    </p:cTn>
-                  </p:par>
-                  <p:par>
-                    <p:cTn id="73" fill="hold">
-                      <p:stCondLst>
-                        <p:cond delay="indefinite"/>
-                      </p:stCondLst>
-                      <p:childTnLst>
-                        <p:par>
-                          <p:cTn id="74" fill="hold">
-                            <p:stCondLst>
-                              <p:cond delay="0"/>
-                            </p:stCondLst>
-                            <p:childTnLst>
-                              <p:par>
-                                <p:cTn id="75" presetID="22" presetClass="entr" presetSubtype="8" fill="hold" nodeType="clickEffect">
-                                  <p:stCondLst>
-                                    <p:cond delay="0"/>
-                                  </p:stCondLst>
-                                  <p:childTnLst>
-                                    <p:set>
-                                      <p:cBhvr>
-                                        <p:cTn id="76" dur="1" fill="hold">
-                                          <p:stCondLst>
-                                            <p:cond delay="0"/>
-                                          </p:stCondLst>
-                                        </p:cTn>
-                                        <p:tgtEl>
-                                          <p:spTgt spid="44">
-                                            <p:txEl>
-                                              <p:pRg st="14" end="14"/>
-                                            </p:txEl>
-                                          </p:spTgt>
-                                        </p:tgtEl>
-                                        <p:attrNameLst>
-                                          <p:attrName>style.visibility</p:attrName>
-                                        </p:attrNameLst>
-                                      </p:cBhvr>
-                                      <p:to>
-                                        <p:strVal val="visible"/>
-                                      </p:to>
-                                    </p:set>
-                                    <p:animEffect transition="in" filter="wipe(left)">
-                                      <p:cBhvr>
-                                        <p:cTn id="77" dur="500"/>
-                                        <p:tgtEl>
-                                          <p:spTgt spid="44">
-                                            <p:txEl>
-                                              <p:pRg st="14" end="14"/>
-                                            </p:txEl>
-                                          </p:spTgt>
-                                        </p:tgtEl>
-                                      </p:cBhvr>
-                                    </p:animEffect>
-                                  </p:childTnLst>
-                                </p:cTn>
-                              </p:par>
-                            </p:childTnLst>
-                          </p:cTn>
-                        </p:par>
-                      </p:childTnLst>
-                    </p:cTn>
-                  </p:par>
-                  <p:par>
-                    <p:cTn id="78" fill="hold">
-                      <p:stCondLst>
-                        <p:cond delay="indefinite"/>
-                      </p:stCondLst>
-                      <p:childTnLst>
-                        <p:par>
-                          <p:cTn id="79" fill="hold">
-                            <p:stCondLst>
-                              <p:cond delay="0"/>
-                            </p:stCondLst>
-                            <p:childTnLst>
-                              <p:par>
-                                <p:cTn id="80" presetID="22" presetClass="entr" presetSubtype="8" fill="hold" nodeType="clickEffect">
-                                  <p:stCondLst>
-                                    <p:cond delay="0"/>
-                                  </p:stCondLst>
-                                  <p:childTnLst>
-                                    <p:set>
-                                      <p:cBhvr>
-                                        <p:cTn id="81" dur="1" fill="hold">
-                                          <p:stCondLst>
-                                            <p:cond delay="0"/>
-                                          </p:stCondLst>
-                                        </p:cTn>
-                                        <p:tgtEl>
-                                          <p:spTgt spid="44">
-                                            <p:txEl>
-                                              <p:pRg st="15" end="15"/>
-                                            </p:txEl>
-                                          </p:spTgt>
-                                        </p:tgtEl>
-                                        <p:attrNameLst>
-                                          <p:attrName>style.visibility</p:attrName>
-                                        </p:attrNameLst>
-                                      </p:cBhvr>
-                                      <p:to>
-                                        <p:strVal val="visible"/>
-                                      </p:to>
-                                    </p:set>
-                                    <p:animEffect transition="in" filter="wipe(left)">
-                                      <p:cBhvr>
-                                        <p:cTn id="82" dur="500"/>
-                                        <p:tgtEl>
-                                          <p:spTgt spid="44">
-                                            <p:txEl>
-                                              <p:pRg st="15" end="15"/>
-                                            </p:txEl>
-                                          </p:spTgt>
-                                        </p:tgtEl>
-                                      </p:cBhvr>
-                                    </p:animEffect>
-                                  </p:childTnLst>
-                                </p:cTn>
-                              </p:par>
-                            </p:childTnLst>
-                          </p:cTn>
-                        </p:par>
-                      </p:childTnLst>
-                    </p:cTn>
-                  </p:par>
-                </p:childTnLst>
-              </p:cTn>
-              <p:prevCondLst>
-                <p:cond evt="onPrev" delay="0">
-                  <p:tgtEl>
-                    <p:sldTgt/>
-                  </p:tgtEl>
-                </p:cond>
-              </p:prevCondLst>
-              <p:nextCondLst>
-                <p:cond evt="onNext" delay="0">
-                  <p:tgtEl>
-                    <p:sldTgt/>
-                  </p:tgtEl>
-                </p:cond>
-              </p:nextCondLst>
-            </p:seq>
-          </p:childTnLst>
-        </p:cTn>
-      </p:par>
-    </p:tnLst>
-  </p:timing>
-</p:sld>
-</file>
-
-<file path=ppt/slides/slide17.xml><?xml version="1.0" encoding="utf-8"?>
 <p:sld xmlns:a="http://schemas.openxmlformats.org/drawingml/2006/main" xmlns:r="http://schemas.openxmlformats.org/officeDocument/2006/relationships" xmlns:p="http://schemas.openxmlformats.org/presentationml/2006/main">
   <p:cSld>
     <p:spTree>
